--- a/Final Project/TITANIC資料分析.pptx
+++ b/Final Project/TITANIC資料分析.pptx
@@ -993,7 +993,7 @@
         </a:p>
       </dgm:t>
     </dgm:pt>
-    <dgm:pt modelId="{4F1EB77D-F2A1-4911-8E50-F3137283D9E3}">
+    <dgm:pt modelId="{3C5E8D68-4326-4768-B3AF-E89B6B47E7BC}">
       <dgm:prSet phldrT="[文字]"/>
       <dgm:spPr/>
       <dgm:t>
@@ -1001,25 +1001,18 @@
         <a:lstStyle/>
         <a:p>
           <a:r>
-            <a:rPr lang="zh-TW" altLang="en-US" dirty="0"/>
+            <a:rPr lang="zh-TW" altLang="en-US"/>
             <a:t>分析</a:t>
           </a:r>
-          <a:endParaRPr lang="en-US" altLang="zh-TW" dirty="0"/>
+          <a:endParaRPr lang="zh-TW" altLang="en-US" dirty="0"/>
         </a:p>
       </dgm:t>
     </dgm:pt>
-    <dgm:pt modelId="{C69CCAD2-B80D-42C6-9ECA-A98E0261E2F3}" type="parTrans" cxnId="{007DC959-1F4A-4359-AF21-FB54AE0D0C1D}">
+    <dgm:pt modelId="{2AF942D4-47E5-4FD8-939A-E06F8CEE221E}" type="parTrans" cxnId="{C2692303-CDA3-46BF-AD97-02876AADAD40}">
       <dgm:prSet/>
       <dgm:spPr/>
-      <dgm:t>
-        <a:bodyPr/>
-        <a:lstStyle/>
-        <a:p>
-          <a:endParaRPr lang="zh-TW" altLang="en-US"/>
-        </a:p>
-      </dgm:t>
     </dgm:pt>
-    <dgm:pt modelId="{662F6C79-D57A-42AB-90EE-2B66DE0B4B99}" type="sibTrans" cxnId="{007DC959-1F4A-4359-AF21-FB54AE0D0C1D}">
+    <dgm:pt modelId="{67F6ED04-E74B-4662-BDA2-DCC6B605B0A3}" type="sibTrans" cxnId="{C2692303-CDA3-46BF-AD97-02876AADAD40}">
       <dgm:prSet/>
       <dgm:spPr/>
       <dgm:t>
@@ -1055,8 +1048,24 @@
       <dgm:prSet presAssocID="{117EAAD8-C860-4C36-AD40-66199AB36940}" presName="connectorText" presStyleLbl="sibTrans2D1" presStyleIdx="0" presStyleCnt="3"/>
       <dgm:spPr/>
     </dgm:pt>
+    <dgm:pt modelId="{13EB3D84-E313-448B-BFF6-B5AF8BBFDB9B}" type="pres">
+      <dgm:prSet presAssocID="{3C5E8D68-4326-4768-B3AF-E89B6B47E7BC}" presName="node" presStyleLbl="node1" presStyleIdx="1" presStyleCnt="4">
+        <dgm:presLayoutVars>
+          <dgm:bulletEnabled val="1"/>
+        </dgm:presLayoutVars>
+      </dgm:prSet>
+      <dgm:spPr/>
+    </dgm:pt>
+    <dgm:pt modelId="{84B7F739-2B8E-4818-B90C-3891B5ABA7F4}" type="pres">
+      <dgm:prSet presAssocID="{67F6ED04-E74B-4662-BDA2-DCC6B605B0A3}" presName="sibTrans" presStyleLbl="sibTrans2D1" presStyleIdx="1" presStyleCnt="3"/>
+      <dgm:spPr/>
+    </dgm:pt>
+    <dgm:pt modelId="{3B178B08-29E6-4B31-9C0F-D321E4065B18}" type="pres">
+      <dgm:prSet presAssocID="{67F6ED04-E74B-4662-BDA2-DCC6B605B0A3}" presName="connectorText" presStyleLbl="sibTrans2D1" presStyleIdx="1" presStyleCnt="3"/>
+      <dgm:spPr/>
+    </dgm:pt>
     <dgm:pt modelId="{EDC6A861-BB68-4A91-94D3-02FF5A5E77D4}" type="pres">
-      <dgm:prSet presAssocID="{E70D1623-6657-4E1F-9BAB-D1A22F5A2301}" presName="node" presStyleLbl="node1" presStyleIdx="1" presStyleCnt="4">
+      <dgm:prSet presAssocID="{E70D1623-6657-4E1F-9BAB-D1A22F5A2301}" presName="node" presStyleLbl="node1" presStyleIdx="2" presStyleCnt="4">
         <dgm:presLayoutVars>
           <dgm:bulletEnabled val="1"/>
         </dgm:presLayoutVars>
@@ -1064,31 +1073,15 @@
       <dgm:spPr/>
     </dgm:pt>
     <dgm:pt modelId="{A524D91D-772B-4183-A9F3-7393F0C9A3BD}" type="pres">
-      <dgm:prSet presAssocID="{6CAE9B74-C79B-4065-BB6B-601358331C9D}" presName="sibTrans" presStyleLbl="sibTrans2D1" presStyleIdx="1" presStyleCnt="3"/>
+      <dgm:prSet presAssocID="{6CAE9B74-C79B-4065-BB6B-601358331C9D}" presName="sibTrans" presStyleLbl="sibTrans2D1" presStyleIdx="2" presStyleCnt="3"/>
       <dgm:spPr/>
     </dgm:pt>
     <dgm:pt modelId="{8556D90E-6435-461E-B7B5-58BC54C48E91}" type="pres">
-      <dgm:prSet presAssocID="{6CAE9B74-C79B-4065-BB6B-601358331C9D}" presName="connectorText" presStyleLbl="sibTrans2D1" presStyleIdx="1" presStyleCnt="3"/>
+      <dgm:prSet presAssocID="{6CAE9B74-C79B-4065-BB6B-601358331C9D}" presName="connectorText" presStyleLbl="sibTrans2D1" presStyleIdx="2" presStyleCnt="3"/>
       <dgm:spPr/>
     </dgm:pt>
     <dgm:pt modelId="{26AF54BA-50DB-4249-B2F1-976373F1ADEF}" type="pres">
-      <dgm:prSet presAssocID="{3979F4AD-686D-44B2-BD8E-2592B28A60EE}" presName="node" presStyleLbl="node1" presStyleIdx="2" presStyleCnt="4">
-        <dgm:presLayoutVars>
-          <dgm:bulletEnabled val="1"/>
-        </dgm:presLayoutVars>
-      </dgm:prSet>
-      <dgm:spPr/>
-    </dgm:pt>
-    <dgm:pt modelId="{C71A383A-8CEF-4A2C-ABA5-1D44DAA73D50}" type="pres">
-      <dgm:prSet presAssocID="{C300E30E-29C3-45C8-AECC-4E41F7335A55}" presName="sibTrans" presStyleLbl="sibTrans2D1" presStyleIdx="2" presStyleCnt="3"/>
-      <dgm:spPr/>
-    </dgm:pt>
-    <dgm:pt modelId="{B866DA1D-1002-4ABA-A6C0-6CAB5EB30465}" type="pres">
-      <dgm:prSet presAssocID="{C300E30E-29C3-45C8-AECC-4E41F7335A55}" presName="connectorText" presStyleLbl="sibTrans2D1" presStyleIdx="2" presStyleCnt="3"/>
-      <dgm:spPr/>
-    </dgm:pt>
-    <dgm:pt modelId="{3A856A04-1DD9-4131-B137-A5B9B6AE8E5C}" type="pres">
-      <dgm:prSet presAssocID="{4F1EB77D-F2A1-4911-8E50-F3137283D9E3}" presName="node" presStyleLbl="node1" presStyleIdx="3" presStyleCnt="4">
+      <dgm:prSet presAssocID="{3979F4AD-686D-44B2-BD8E-2592B28A60EE}" presName="node" presStyleLbl="node1" presStyleIdx="3" presStyleCnt="4">
         <dgm:presLayoutVars>
           <dgm:bulletEnabled val="1"/>
         </dgm:presLayoutVars>
@@ -1097,16 +1090,16 @@
     </dgm:pt>
   </dgm:ptLst>
   <dgm:cxnLst>
-    <dgm:cxn modelId="{5004CA15-BCED-4772-936D-055146E4DE71}" type="presOf" srcId="{C300E30E-29C3-45C8-AECC-4E41F7335A55}" destId="{B866DA1D-1002-4ABA-A6C0-6CAB5EB30465}" srcOrd="1" destOrd="0" presId="urn:microsoft.com/office/officeart/2005/8/layout/process1"/>
+    <dgm:cxn modelId="{C2692303-CDA3-46BF-AD97-02876AADAD40}" srcId="{EBD1CBB8-C971-4AB6-9B61-B5BA5EC2EF16}" destId="{3C5E8D68-4326-4768-B3AF-E89B6B47E7BC}" srcOrd="1" destOrd="0" parTransId="{2AF942D4-47E5-4FD8-939A-E06F8CEE221E}" sibTransId="{67F6ED04-E74B-4662-BDA2-DCC6B605B0A3}"/>
     <dgm:cxn modelId="{6B7C6A21-12FE-4414-9951-B915A131467C}" srcId="{EBD1CBB8-C971-4AB6-9B61-B5BA5EC2EF16}" destId="{D5DA3D56-D671-4CA6-9414-B557453212C6}" srcOrd="0" destOrd="0" parTransId="{8FF317DA-4561-4C64-8BF0-671EBA13FF6B}" sibTransId="{117EAAD8-C860-4C36-AD40-66199AB36940}"/>
-    <dgm:cxn modelId="{A9706F2C-07DB-4C6A-A981-76E2BD928BCE}" srcId="{EBD1CBB8-C971-4AB6-9B61-B5BA5EC2EF16}" destId="{3979F4AD-686D-44B2-BD8E-2592B28A60EE}" srcOrd="2" destOrd="0" parTransId="{6B9278BE-C602-4DE5-9E41-45479A1DD366}" sibTransId="{C300E30E-29C3-45C8-AECC-4E41F7335A55}"/>
-    <dgm:cxn modelId="{77A7862C-E74D-4281-881B-C606A8B66729}" type="presOf" srcId="{4F1EB77D-F2A1-4911-8E50-F3137283D9E3}" destId="{3A856A04-1DD9-4131-B137-A5B9B6AE8E5C}" srcOrd="0" destOrd="0" presId="urn:microsoft.com/office/officeart/2005/8/layout/process1"/>
+    <dgm:cxn modelId="{A9706F2C-07DB-4C6A-A981-76E2BD928BCE}" srcId="{EBD1CBB8-C971-4AB6-9B61-B5BA5EC2EF16}" destId="{3979F4AD-686D-44B2-BD8E-2592B28A60EE}" srcOrd="3" destOrd="0" parTransId="{6B9278BE-C602-4DE5-9E41-45479A1DD366}" sibTransId="{C300E30E-29C3-45C8-AECC-4E41F7335A55}"/>
+    <dgm:cxn modelId="{664F8135-90E4-4B4B-8465-733DC42EEF00}" type="presOf" srcId="{67F6ED04-E74B-4662-BDA2-DCC6B605B0A3}" destId="{84B7F739-2B8E-4818-B90C-3891B5ABA7F4}" srcOrd="0" destOrd="0" presId="urn:microsoft.com/office/officeart/2005/8/layout/process1"/>
     <dgm:cxn modelId="{D9A53D62-09D9-4FC0-9D15-3D335D44138B}" type="presOf" srcId="{6CAE9B74-C79B-4065-BB6B-601358331C9D}" destId="{A524D91D-772B-4183-A9F3-7393F0C9A3BD}" srcOrd="0" destOrd="0" presId="urn:microsoft.com/office/officeart/2005/8/layout/process1"/>
-    <dgm:cxn modelId="{007DC959-1F4A-4359-AF21-FB54AE0D0C1D}" srcId="{EBD1CBB8-C971-4AB6-9B61-B5BA5EC2EF16}" destId="{4F1EB77D-F2A1-4911-8E50-F3137283D9E3}" srcOrd="3" destOrd="0" parTransId="{C69CCAD2-B80D-42C6-9ECA-A98E0261E2F3}" sibTransId="{662F6C79-D57A-42AB-90EE-2B66DE0B4B99}"/>
     <dgm:cxn modelId="{123CC07F-C3D8-4642-B616-AC6BFEDD0E05}" type="presOf" srcId="{3979F4AD-686D-44B2-BD8E-2592B28A60EE}" destId="{26AF54BA-50DB-4249-B2F1-976373F1ADEF}" srcOrd="0" destOrd="0" presId="urn:microsoft.com/office/officeart/2005/8/layout/process1"/>
-    <dgm:cxn modelId="{252D6EA1-041D-43DB-8EFF-CC4174803F8E}" type="presOf" srcId="{C300E30E-29C3-45C8-AECC-4E41F7335A55}" destId="{C71A383A-8CEF-4A2C-ABA5-1D44DAA73D50}" srcOrd="0" destOrd="0" presId="urn:microsoft.com/office/officeart/2005/8/layout/process1"/>
     <dgm:cxn modelId="{EAB5C6AE-93C9-4053-8F61-89221FF951DF}" type="presOf" srcId="{D5DA3D56-D671-4CA6-9414-B557453212C6}" destId="{3FB65E14-3809-43B1-8B11-7C5DF3C5433D}" srcOrd="0" destOrd="0" presId="urn:microsoft.com/office/officeart/2005/8/layout/process1"/>
-    <dgm:cxn modelId="{EA7843CE-2864-430B-A804-D09192AAA734}" srcId="{EBD1CBB8-C971-4AB6-9B61-B5BA5EC2EF16}" destId="{E70D1623-6657-4E1F-9BAB-D1A22F5A2301}" srcOrd="1" destOrd="0" parTransId="{D2867D3B-76FC-4189-B9BA-29B94D4A9D73}" sibTransId="{6CAE9B74-C79B-4065-BB6B-601358331C9D}"/>
+    <dgm:cxn modelId="{FDEAFDAF-F572-49F2-A0F1-21A27972BA50}" type="presOf" srcId="{3C5E8D68-4326-4768-B3AF-E89B6B47E7BC}" destId="{13EB3D84-E313-448B-BFF6-B5AF8BBFDB9B}" srcOrd="0" destOrd="0" presId="urn:microsoft.com/office/officeart/2005/8/layout/process1"/>
+    <dgm:cxn modelId="{AC5606BC-1E1C-4BB3-8C2D-2D59425824A5}" type="presOf" srcId="{67F6ED04-E74B-4662-BDA2-DCC6B605B0A3}" destId="{3B178B08-29E6-4B31-9C0F-D321E4065B18}" srcOrd="1" destOrd="0" presId="urn:microsoft.com/office/officeart/2005/8/layout/process1"/>
+    <dgm:cxn modelId="{EA7843CE-2864-430B-A804-D09192AAA734}" srcId="{EBD1CBB8-C971-4AB6-9B61-B5BA5EC2EF16}" destId="{E70D1623-6657-4E1F-9BAB-D1A22F5A2301}" srcOrd="2" destOrd="0" parTransId="{D2867D3B-76FC-4189-B9BA-29B94D4A9D73}" sibTransId="{6CAE9B74-C79B-4065-BB6B-601358331C9D}"/>
     <dgm:cxn modelId="{0F5169D4-60B1-480A-A63C-521B07DC3B7D}" type="presOf" srcId="{117EAAD8-C860-4C36-AD40-66199AB36940}" destId="{DFC32447-8597-467F-A705-D380EC710B9D}" srcOrd="1" destOrd="0" presId="urn:microsoft.com/office/officeart/2005/8/layout/process1"/>
     <dgm:cxn modelId="{606EA0D7-EA3E-4FCE-8629-5EA824AC088F}" type="presOf" srcId="{EBD1CBB8-C971-4AB6-9B61-B5BA5EC2EF16}" destId="{2081281B-2F95-4136-B945-D83DD7C03A62}" srcOrd="0" destOrd="0" presId="urn:microsoft.com/office/officeart/2005/8/layout/process1"/>
     <dgm:cxn modelId="{9D0E22E4-607F-47D6-B8C7-8BA27F6C4A56}" type="presOf" srcId="{6CAE9B74-C79B-4065-BB6B-601358331C9D}" destId="{8556D90E-6435-461E-B7B5-58BC54C48E91}" srcOrd="1" destOrd="0" presId="urn:microsoft.com/office/officeart/2005/8/layout/process1"/>
@@ -1115,13 +1108,13 @@
     <dgm:cxn modelId="{A4409366-74D4-4AC7-AF9F-73A8B8A357E3}" type="presParOf" srcId="{2081281B-2F95-4136-B945-D83DD7C03A62}" destId="{3FB65E14-3809-43B1-8B11-7C5DF3C5433D}" srcOrd="0" destOrd="0" presId="urn:microsoft.com/office/officeart/2005/8/layout/process1"/>
     <dgm:cxn modelId="{364D92A9-E362-48E2-8849-31F249D2A365}" type="presParOf" srcId="{2081281B-2F95-4136-B945-D83DD7C03A62}" destId="{31E5270B-1605-4800-A8A8-9717926E0172}" srcOrd="1" destOrd="0" presId="urn:microsoft.com/office/officeart/2005/8/layout/process1"/>
     <dgm:cxn modelId="{DA49F31B-842F-4EED-846B-A9D063CEAD5E}" type="presParOf" srcId="{31E5270B-1605-4800-A8A8-9717926E0172}" destId="{DFC32447-8597-467F-A705-D380EC710B9D}" srcOrd="0" destOrd="0" presId="urn:microsoft.com/office/officeart/2005/8/layout/process1"/>
-    <dgm:cxn modelId="{76DDEBAC-1CFE-49D6-B92B-02E07C7ABE3C}" type="presParOf" srcId="{2081281B-2F95-4136-B945-D83DD7C03A62}" destId="{EDC6A861-BB68-4A91-94D3-02FF5A5E77D4}" srcOrd="2" destOrd="0" presId="urn:microsoft.com/office/officeart/2005/8/layout/process1"/>
-    <dgm:cxn modelId="{B80AF867-98E1-4C1C-A374-C3D2F93B2BB4}" type="presParOf" srcId="{2081281B-2F95-4136-B945-D83DD7C03A62}" destId="{A524D91D-772B-4183-A9F3-7393F0C9A3BD}" srcOrd="3" destOrd="0" presId="urn:microsoft.com/office/officeart/2005/8/layout/process1"/>
+    <dgm:cxn modelId="{58D554B9-C935-49EA-981F-C6805884F609}" type="presParOf" srcId="{2081281B-2F95-4136-B945-D83DD7C03A62}" destId="{13EB3D84-E313-448B-BFF6-B5AF8BBFDB9B}" srcOrd="2" destOrd="0" presId="urn:microsoft.com/office/officeart/2005/8/layout/process1"/>
+    <dgm:cxn modelId="{47847DF1-9943-46AB-869D-FCE591E042D4}" type="presParOf" srcId="{2081281B-2F95-4136-B945-D83DD7C03A62}" destId="{84B7F739-2B8E-4818-B90C-3891B5ABA7F4}" srcOrd="3" destOrd="0" presId="urn:microsoft.com/office/officeart/2005/8/layout/process1"/>
+    <dgm:cxn modelId="{BF11AABB-B6E6-4B98-B7E2-DF951B19FF40}" type="presParOf" srcId="{84B7F739-2B8E-4818-B90C-3891B5ABA7F4}" destId="{3B178B08-29E6-4B31-9C0F-D321E4065B18}" srcOrd="0" destOrd="0" presId="urn:microsoft.com/office/officeart/2005/8/layout/process1"/>
+    <dgm:cxn modelId="{76DDEBAC-1CFE-49D6-B92B-02E07C7ABE3C}" type="presParOf" srcId="{2081281B-2F95-4136-B945-D83DD7C03A62}" destId="{EDC6A861-BB68-4A91-94D3-02FF5A5E77D4}" srcOrd="4" destOrd="0" presId="urn:microsoft.com/office/officeart/2005/8/layout/process1"/>
+    <dgm:cxn modelId="{B80AF867-98E1-4C1C-A374-C3D2F93B2BB4}" type="presParOf" srcId="{2081281B-2F95-4136-B945-D83DD7C03A62}" destId="{A524D91D-772B-4183-A9F3-7393F0C9A3BD}" srcOrd="5" destOrd="0" presId="urn:microsoft.com/office/officeart/2005/8/layout/process1"/>
     <dgm:cxn modelId="{BAE4F427-785D-4EA0-A463-0085315659C7}" type="presParOf" srcId="{A524D91D-772B-4183-A9F3-7393F0C9A3BD}" destId="{8556D90E-6435-461E-B7B5-58BC54C48E91}" srcOrd="0" destOrd="0" presId="urn:microsoft.com/office/officeart/2005/8/layout/process1"/>
-    <dgm:cxn modelId="{16C70E15-EBEE-43FA-AF5A-4F4D27670ED9}" type="presParOf" srcId="{2081281B-2F95-4136-B945-D83DD7C03A62}" destId="{26AF54BA-50DB-4249-B2F1-976373F1ADEF}" srcOrd="4" destOrd="0" presId="urn:microsoft.com/office/officeart/2005/8/layout/process1"/>
-    <dgm:cxn modelId="{7E3A1F44-ADC1-4D73-998A-0B9BCE4BB013}" type="presParOf" srcId="{2081281B-2F95-4136-B945-D83DD7C03A62}" destId="{C71A383A-8CEF-4A2C-ABA5-1D44DAA73D50}" srcOrd="5" destOrd="0" presId="urn:microsoft.com/office/officeart/2005/8/layout/process1"/>
-    <dgm:cxn modelId="{5F8F47ED-7F02-427A-B1E5-69DDA9EE211A}" type="presParOf" srcId="{C71A383A-8CEF-4A2C-ABA5-1D44DAA73D50}" destId="{B866DA1D-1002-4ABA-A6C0-6CAB5EB30465}" srcOrd="0" destOrd="0" presId="urn:microsoft.com/office/officeart/2005/8/layout/process1"/>
-    <dgm:cxn modelId="{D560F456-5B36-4249-ADBA-EEBB7AE8FF36}" type="presParOf" srcId="{2081281B-2F95-4136-B945-D83DD7C03A62}" destId="{3A856A04-1DD9-4131-B137-A5B9B6AE8E5C}" srcOrd="6" destOrd="0" presId="urn:microsoft.com/office/officeart/2005/8/layout/process1"/>
+    <dgm:cxn modelId="{16C70E15-EBEE-43FA-AF5A-4F4D27670ED9}" type="presParOf" srcId="{2081281B-2F95-4136-B945-D83DD7C03A62}" destId="{26AF54BA-50DB-4249-B2F1-976373F1ADEF}" srcOrd="6" destOrd="0" presId="urn:microsoft.com/office/officeart/2005/8/layout/process1"/>
   </dgm:cxnLst>
   <dgm:bg/>
   <dgm:whole/>
@@ -1290,7 +1283,7 @@
         <a:ext cx="225399" cy="226006"/>
       </dsp:txXfrm>
     </dsp:sp>
-    <dsp:sp modelId="{EDC6A861-BB68-4A91-94D3-02FF5A5E77D4}">
+    <dsp:sp modelId="{13EB3D84-E313-448B-BFF6-B5AF8BBFDB9B}">
       <dsp:nvSpPr>
         <dsp:cNvPr id="0" name=""/>
         <dsp:cNvSpPr/>
@@ -1359,9 +1352,10 @@
             <a:buNone/>
           </a:pPr>
           <a:r>
-            <a:rPr lang="zh-TW" altLang="en-US" sz="3000" kern="1200" dirty="0"/>
-            <a:t>建模</a:t>
+            <a:rPr lang="zh-TW" altLang="en-US" sz="3000" kern="1200"/>
+            <a:t>分析</a:t>
           </a:r>
+          <a:endParaRPr lang="zh-TW" altLang="en-US" sz="3000" kern="1200" dirty="0"/>
         </a:p>
       </dsp:txBody>
       <dsp:txXfrm>
@@ -1369,7 +1363,7 @@
         <a:ext cx="1465480" cy="857934"/>
       </dsp:txXfrm>
     </dsp:sp>
-    <dsp:sp modelId="{A524D91D-772B-4183-A9F3-7393F0C9A3BD}">
+    <dsp:sp modelId="{84B7F739-2B8E-4818-B90C-3891B5ABA7F4}">
       <dsp:nvSpPr>
         <dsp:cNvPr id="0" name=""/>
         <dsp:cNvSpPr/>
@@ -1439,7 +1433,7 @@
         <a:ext cx="225399" cy="226006"/>
       </dsp:txXfrm>
     </dsp:sp>
-    <dsp:sp modelId="{26AF54BA-50DB-4249-B2F1-976373F1ADEF}">
+    <dsp:sp modelId="{EDC6A861-BB68-4A91-94D3-02FF5A5E77D4}">
       <dsp:nvSpPr>
         <dsp:cNvPr id="0" name=""/>
         <dsp:cNvSpPr/>
@@ -1509,9 +1503,8 @@
           </a:pPr>
           <a:r>
             <a:rPr lang="zh-TW" altLang="en-US" sz="3000" kern="1200" dirty="0"/>
-            <a:t>測試</a:t>
+            <a:t>建模</a:t>
           </a:r>
-          <a:endParaRPr lang="en-US" altLang="zh-TW" sz="3000" kern="1200" dirty="0"/>
         </a:p>
       </dsp:txBody>
       <dsp:txXfrm>
@@ -1519,7 +1512,7 @@
         <a:ext cx="1465480" cy="857934"/>
       </dsp:txXfrm>
     </dsp:sp>
-    <dsp:sp modelId="{C71A383A-8CEF-4A2C-ABA5-1D44DAA73D50}">
+    <dsp:sp modelId="{A524D91D-772B-4183-A9F3-7393F0C9A3BD}">
       <dsp:nvSpPr>
         <dsp:cNvPr id="0" name=""/>
         <dsp:cNvSpPr/>
@@ -1589,7 +1582,7 @@
         <a:ext cx="225399" cy="226006"/>
       </dsp:txXfrm>
     </dsp:sp>
-    <dsp:sp modelId="{3A856A04-1DD9-4131-B137-A5B9B6AE8E5C}">
+    <dsp:sp modelId="{26AF54BA-50DB-4249-B2F1-976373F1ADEF}">
       <dsp:nvSpPr>
         <dsp:cNvPr id="0" name=""/>
         <dsp:cNvSpPr/>
@@ -1659,7 +1652,7 @@
           </a:pPr>
           <a:r>
             <a:rPr lang="zh-TW" altLang="en-US" sz="3000" kern="1200" dirty="0"/>
-            <a:t>分析</a:t>
+            <a:t>測試</a:t>
           </a:r>
           <a:endParaRPr lang="en-US" altLang="zh-TW" sz="3000" kern="1200" dirty="0"/>
         </a:p>
@@ -7095,7 +7088,7 @@
           <p:nvPr>
             <p:extLst>
               <p:ext uri="{D42A27DB-BD31-4B8C-83A1-F6EECF244321}">
-                <p14:modId xmlns:p14="http://schemas.microsoft.com/office/powerpoint/2010/main" val="2970564585"/>
+                <p14:modId xmlns:p14="http://schemas.microsoft.com/office/powerpoint/2010/main" val="1179709500"/>
               </p:ext>
             </p:extLst>
           </p:nvPr>

--- a/Final Project/TITANIC資料分析.pptx
+++ b/Final Project/TITANIC資料分析.pptx
@@ -12,7 +12,12 @@
     <p:sldId id="258" r:id="rId6"/>
     <p:sldId id="259" r:id="rId7"/>
     <p:sldId id="261" r:id="rId8"/>
-    <p:sldId id="262" r:id="rId9"/>
+    <p:sldId id="264" r:id="rId9"/>
+    <p:sldId id="265" r:id="rId10"/>
+    <p:sldId id="266" r:id="rId11"/>
+    <p:sldId id="267" r:id="rId12"/>
+    <p:sldId id="268" r:id="rId13"/>
+    <p:sldId id="262" r:id="rId14"/>
   </p:sldIdLst>
   <p:sldSz cx="9144000" cy="6858000" type="screen4x3"/>
   <p:notesSz cx="6858000" cy="9144000"/>
@@ -131,11 +136,11 @@
 </file>
 
 <file path=ppt/diagrams/colors1.xml><?xml version="1.0" encoding="utf-8"?>
-<dgm:colorsDef xmlns:dgm="http://schemas.openxmlformats.org/drawingml/2006/diagram" xmlns:a="http://schemas.openxmlformats.org/drawingml/2006/main" uniqueId="urn:microsoft.com/office/officeart/2005/8/colors/accent1_2">
+<dgm:colorsDef xmlns:dgm="http://schemas.openxmlformats.org/drawingml/2006/diagram" xmlns:a="http://schemas.openxmlformats.org/drawingml/2006/main" uniqueId="urn:microsoft.com/office/officeart/2005/8/colors/colorful1">
   <dgm:title val=""/>
   <dgm:desc val=""/>
   <dgm:catLst>
-    <dgm:cat type="accent1" pri="11200"/>
+    <dgm:cat type="colorful" pri="10100"/>
   </dgm:catLst>
   <dgm:styleLbl name="node0">
     <dgm:fillClrLst meth="repeat">
@@ -149,21 +154,13 @@
     <dgm:txFillClrLst/>
     <dgm:txEffectClrLst/>
   </dgm:styleLbl>
-  <dgm:styleLbl name="alignNode1">
-    <dgm:fillClrLst meth="repeat">
-      <a:schemeClr val="accent1"/>
-    </dgm:fillClrLst>
-    <dgm:linClrLst meth="repeat">
-      <a:schemeClr val="accent1"/>
-    </dgm:linClrLst>
-    <dgm:effectClrLst/>
-    <dgm:txLinClrLst/>
-    <dgm:txFillClrLst/>
-    <dgm:txEffectClrLst/>
-  </dgm:styleLbl>
   <dgm:styleLbl name="node1">
     <dgm:fillClrLst meth="repeat">
-      <a:schemeClr val="accent1"/>
+      <a:schemeClr val="accent2"/>
+      <a:schemeClr val="accent3"/>
+      <a:schemeClr val="accent4"/>
+      <a:schemeClr val="accent5"/>
+      <a:schemeClr val="accent6"/>
     </dgm:fillClrLst>
     <dgm:linClrLst meth="repeat">
       <a:schemeClr val="lt1"/>
@@ -173,9 +170,33 @@
     <dgm:txFillClrLst/>
     <dgm:txEffectClrLst/>
   </dgm:styleLbl>
+  <dgm:styleLbl name="alignNode1">
+    <dgm:fillClrLst meth="repeat">
+      <a:schemeClr val="accent2"/>
+      <a:schemeClr val="accent3"/>
+      <a:schemeClr val="accent4"/>
+      <a:schemeClr val="accent5"/>
+      <a:schemeClr val="accent6"/>
+    </dgm:fillClrLst>
+    <dgm:linClrLst meth="repeat">
+      <a:schemeClr val="accent2"/>
+      <a:schemeClr val="accent3"/>
+      <a:schemeClr val="accent4"/>
+      <a:schemeClr val="accent5"/>
+      <a:schemeClr val="accent6"/>
+    </dgm:linClrLst>
+    <dgm:effectClrLst/>
+    <dgm:txLinClrLst/>
+    <dgm:txFillClrLst/>
+    <dgm:txEffectClrLst/>
+  </dgm:styleLbl>
   <dgm:styleLbl name="lnNode1">
     <dgm:fillClrLst meth="repeat">
-      <a:schemeClr val="accent1"/>
+      <a:schemeClr val="accent2"/>
+      <a:schemeClr val="accent3"/>
+      <a:schemeClr val="accent4"/>
+      <a:schemeClr val="accent5"/>
+      <a:schemeClr val="accent6"/>
     </dgm:fillClrLst>
     <dgm:linClrLst meth="repeat">
       <a:schemeClr val="lt1"/>
@@ -187,7 +208,19 @@
   </dgm:styleLbl>
   <dgm:styleLbl name="vennNode1">
     <dgm:fillClrLst meth="repeat">
-      <a:schemeClr val="accent1">
+      <a:schemeClr val="accent2">
+        <a:alpha val="50000"/>
+      </a:schemeClr>
+      <a:schemeClr val="accent3">
+        <a:alpha val="50000"/>
+      </a:schemeClr>
+      <a:schemeClr val="accent4">
+        <a:alpha val="50000"/>
+      </a:schemeClr>
+      <a:schemeClr val="accent5">
+        <a:alpha val="50000"/>
+      </a:schemeClr>
+      <a:schemeClr val="accent6">
         <a:alpha val="50000"/>
       </a:schemeClr>
     </dgm:fillClrLst>
@@ -200,8 +233,8 @@
     <dgm:txEffectClrLst/>
   </dgm:styleLbl>
   <dgm:styleLbl name="node2">
-    <dgm:fillClrLst meth="repeat">
-      <a:schemeClr val="accent1"/>
+    <dgm:fillClrLst>
+      <a:schemeClr val="accent2"/>
     </dgm:fillClrLst>
     <dgm:linClrLst meth="repeat">
       <a:schemeClr val="lt1"/>
@@ -212,8 +245,8 @@
     <dgm:txEffectClrLst/>
   </dgm:styleLbl>
   <dgm:styleLbl name="node3">
-    <dgm:fillClrLst meth="repeat">
-      <a:schemeClr val="accent1"/>
+    <dgm:fillClrLst>
+      <a:schemeClr val="accent3"/>
     </dgm:fillClrLst>
     <dgm:linClrLst meth="repeat">
       <a:schemeClr val="lt1"/>
@@ -224,8 +257,8 @@
     <dgm:txEffectClrLst/>
   </dgm:styleLbl>
   <dgm:styleLbl name="node4">
-    <dgm:fillClrLst meth="repeat">
-      <a:schemeClr val="accent1"/>
+    <dgm:fillClrLst>
+      <a:schemeClr val="accent4"/>
     </dgm:fillClrLst>
     <dgm:linClrLst meth="repeat">
       <a:schemeClr val="lt1"/>
@@ -237,7 +270,19 @@
   </dgm:styleLbl>
   <dgm:styleLbl name="fgImgPlace1">
     <dgm:fillClrLst meth="repeat">
-      <a:schemeClr val="accent1">
+      <a:schemeClr val="accent2">
+        <a:tint val="50000"/>
+      </a:schemeClr>
+      <a:schemeClr val="accent3">
+        <a:tint val="50000"/>
+      </a:schemeClr>
+      <a:schemeClr val="accent4">
+        <a:tint val="50000"/>
+      </a:schemeClr>
+      <a:schemeClr val="accent5">
+        <a:tint val="50000"/>
+      </a:schemeClr>
+      <a:schemeClr val="accent6">
         <a:tint val="50000"/>
       </a:schemeClr>
     </dgm:fillClrLst>
@@ -252,9 +297,12 @@
     <dgm:txEffectClrLst/>
   </dgm:styleLbl>
   <dgm:styleLbl name="alignImgPlace1">
-    <dgm:fillClrLst meth="repeat">
+    <dgm:fillClrLst>
       <a:schemeClr val="accent1">
         <a:tint val="50000"/>
+      </a:schemeClr>
+      <a:schemeClr val="accent2">
+        <a:tint val="20000"/>
       </a:schemeClr>
     </dgm:fillClrLst>
     <dgm:linClrLst meth="repeat">
@@ -268,9 +316,12 @@
     <dgm:txEffectClrLst/>
   </dgm:styleLbl>
   <dgm:styleLbl name="bgImgPlace1">
-    <dgm:fillClrLst meth="repeat">
+    <dgm:fillClrLst>
       <a:schemeClr val="accent1">
         <a:tint val="50000"/>
+      </a:schemeClr>
+      <a:schemeClr val="accent2">
+        <a:tint val="20000"/>
       </a:schemeClr>
     </dgm:fillClrLst>
     <dgm:linClrLst meth="repeat">
@@ -285,14 +336,14 @@
   </dgm:styleLbl>
   <dgm:styleLbl name="sibTrans2D1">
     <dgm:fillClrLst meth="repeat">
-      <a:schemeClr val="accent1">
-        <a:tint val="60000"/>
-      </a:schemeClr>
+      <a:schemeClr val="accent2"/>
+      <a:schemeClr val="accent3"/>
+      <a:schemeClr val="accent4"/>
+      <a:schemeClr val="accent5"/>
+      <a:schemeClr val="accent6"/>
     </dgm:fillClrLst>
-    <dgm:linClrLst meth="repeat">
-      <a:schemeClr val="accent1">
-        <a:tint val="60000"/>
-      </a:schemeClr>
+    <dgm:linClrLst meth="cycle">
+      <a:schemeClr val="lt1"/>
     </dgm:linClrLst>
     <dgm:effectClrLst/>
     <dgm:txLinClrLst/>
@@ -301,42 +352,54 @@
   </dgm:styleLbl>
   <dgm:styleLbl name="fgSibTrans2D1">
     <dgm:fillClrLst meth="repeat">
-      <a:schemeClr val="accent1">
-        <a:tint val="60000"/>
-      </a:schemeClr>
+      <a:schemeClr val="accent2"/>
+      <a:schemeClr val="accent3"/>
+      <a:schemeClr val="accent4"/>
+      <a:schemeClr val="accent5"/>
+      <a:schemeClr val="accent6"/>
     </dgm:fillClrLst>
-    <dgm:linClrLst meth="repeat">
-      <a:schemeClr val="accent1">
-        <a:tint val="60000"/>
-      </a:schemeClr>
+    <dgm:linClrLst meth="cycle">
+      <a:schemeClr val="lt1"/>
     </dgm:linClrLst>
     <dgm:effectClrLst/>
     <dgm:txLinClrLst/>
-    <dgm:txFillClrLst/>
+    <dgm:txFillClrLst meth="repeat">
+      <a:schemeClr val="lt1"/>
+    </dgm:txFillClrLst>
     <dgm:txEffectClrLst/>
   </dgm:styleLbl>
   <dgm:styleLbl name="bgSibTrans2D1">
     <dgm:fillClrLst meth="repeat">
-      <a:schemeClr val="accent1">
-        <a:tint val="60000"/>
-      </a:schemeClr>
+      <a:schemeClr val="accent2"/>
+      <a:schemeClr val="accent3"/>
+      <a:schemeClr val="accent4"/>
+      <a:schemeClr val="accent5"/>
+      <a:schemeClr val="accent6"/>
     </dgm:fillClrLst>
-    <dgm:linClrLst meth="repeat">
-      <a:schemeClr val="accent1">
-        <a:tint val="60000"/>
-      </a:schemeClr>
+    <dgm:linClrLst meth="cycle">
+      <a:schemeClr val="lt1"/>
     </dgm:linClrLst>
     <dgm:effectClrLst/>
     <dgm:txLinClrLst/>
-    <dgm:txFillClrLst/>
+    <dgm:txFillClrLst meth="repeat">
+      <a:schemeClr val="lt1"/>
+    </dgm:txFillClrLst>
     <dgm:txEffectClrLst/>
   </dgm:styleLbl>
   <dgm:styleLbl name="sibTrans1D1">
     <dgm:fillClrLst meth="repeat">
-      <a:schemeClr val="accent1"/>
+      <a:schemeClr val="accent2"/>
+      <a:schemeClr val="accent3"/>
+      <a:schemeClr val="accent4"/>
+      <a:schemeClr val="accent5"/>
+      <a:schemeClr val="accent6"/>
     </dgm:fillClrLst>
     <dgm:linClrLst meth="repeat">
-      <a:schemeClr val="accent1"/>
+      <a:schemeClr val="accent2"/>
+      <a:schemeClr val="accent3"/>
+      <a:schemeClr val="accent4"/>
+      <a:schemeClr val="accent5"/>
+      <a:schemeClr val="accent6"/>
     </dgm:linClrLst>
     <dgm:effectClrLst/>
     <dgm:txLinClrLst/>
@@ -347,10 +410,10 @@
   </dgm:styleLbl>
   <dgm:styleLbl name="callout">
     <dgm:fillClrLst meth="repeat">
-      <a:schemeClr val="accent1"/>
+      <a:schemeClr val="accent2"/>
     </dgm:fillClrLst>
     <dgm:linClrLst meth="repeat">
-      <a:schemeClr val="accent1">
+      <a:schemeClr val="accent2">
         <a:tint val="50000"/>
       </a:schemeClr>
     </dgm:linClrLst>
@@ -375,7 +438,7 @@
   </dgm:styleLbl>
   <dgm:styleLbl name="asst1">
     <dgm:fillClrLst meth="repeat">
-      <a:schemeClr val="accent1"/>
+      <a:schemeClr val="accent2"/>
     </dgm:fillClrLst>
     <dgm:linClrLst meth="repeat">
       <a:schemeClr val="lt1"/>
@@ -386,8 +449,8 @@
     <dgm:txEffectClrLst/>
   </dgm:styleLbl>
   <dgm:styleLbl name="asst2">
-    <dgm:fillClrLst meth="repeat">
-      <a:schemeClr val="accent1"/>
+    <dgm:fillClrLst>
+      <a:schemeClr val="accent3"/>
     </dgm:fillClrLst>
     <dgm:linClrLst meth="repeat">
       <a:schemeClr val="lt1"/>
@@ -398,8 +461,8 @@
     <dgm:txEffectClrLst/>
   </dgm:styleLbl>
   <dgm:styleLbl name="asst3">
-    <dgm:fillClrLst meth="repeat">
-      <a:schemeClr val="accent1"/>
+    <dgm:fillClrLst>
+      <a:schemeClr val="accent4"/>
     </dgm:fillClrLst>
     <dgm:linClrLst meth="repeat">
       <a:schemeClr val="lt1"/>
@@ -410,8 +473,8 @@
     <dgm:txEffectClrLst/>
   </dgm:styleLbl>
   <dgm:styleLbl name="asst4">
-    <dgm:fillClrLst meth="repeat">
-      <a:schemeClr val="accent1"/>
+    <dgm:fillClrLst>
+      <a:schemeClr val="accent5"/>
     </dgm:fillClrLst>
     <dgm:linClrLst meth="repeat">
       <a:schemeClr val="lt1"/>
@@ -423,14 +486,10 @@
   </dgm:styleLbl>
   <dgm:styleLbl name="parChTrans2D1">
     <dgm:fillClrLst meth="repeat">
-      <a:schemeClr val="accent1">
-        <a:tint val="60000"/>
-      </a:schemeClr>
+      <a:schemeClr val="accent2"/>
     </dgm:fillClrLst>
     <dgm:linClrLst meth="repeat">
-      <a:schemeClr val="accent1">
-        <a:tint val="60000"/>
-      </a:schemeClr>
+      <a:schemeClr val="lt1"/>
     </dgm:linClrLst>
     <dgm:effectClrLst/>
     <dgm:txLinClrLst/>
@@ -441,38 +500,34 @@
   </dgm:styleLbl>
   <dgm:styleLbl name="parChTrans2D2">
     <dgm:fillClrLst meth="repeat">
-      <a:schemeClr val="accent1"/>
+      <a:schemeClr val="accent3"/>
     </dgm:fillClrLst>
     <dgm:linClrLst meth="repeat">
-      <a:schemeClr val="accent1"/>
+      <a:schemeClr val="lt1"/>
     </dgm:linClrLst>
     <dgm:effectClrLst/>
     <dgm:txLinClrLst/>
-    <dgm:txFillClrLst meth="repeat">
-      <a:schemeClr val="lt1"/>
-    </dgm:txFillClrLst>
+    <dgm:txFillClrLst/>
     <dgm:txEffectClrLst/>
   </dgm:styleLbl>
   <dgm:styleLbl name="parChTrans2D3">
     <dgm:fillClrLst meth="repeat">
-      <a:schemeClr val="accent1"/>
+      <a:schemeClr val="accent4"/>
     </dgm:fillClrLst>
     <dgm:linClrLst meth="repeat">
-      <a:schemeClr val="accent1"/>
+      <a:schemeClr val="lt1"/>
     </dgm:linClrLst>
     <dgm:effectClrLst/>
     <dgm:txLinClrLst/>
-    <dgm:txFillClrLst meth="repeat">
-      <a:schemeClr val="lt1"/>
-    </dgm:txFillClrLst>
+    <dgm:txFillClrLst/>
     <dgm:txEffectClrLst/>
   </dgm:styleLbl>
   <dgm:styleLbl name="parChTrans2D4">
     <dgm:fillClrLst meth="repeat">
-      <a:schemeClr val="accent1"/>
+      <a:schemeClr val="accent5"/>
     </dgm:fillClrLst>
     <dgm:linClrLst meth="repeat">
-      <a:schemeClr val="accent1"/>
+      <a:schemeClr val="lt1"/>
     </dgm:linClrLst>
     <dgm:effectClrLst/>
     <dgm:txLinClrLst/>
@@ -483,12 +538,10 @@
   </dgm:styleLbl>
   <dgm:styleLbl name="parChTrans1D1">
     <dgm:fillClrLst meth="repeat">
-      <a:schemeClr val="accent1"/>
+      <a:schemeClr val="accent2"/>
     </dgm:fillClrLst>
     <dgm:linClrLst meth="repeat">
-      <a:schemeClr val="accent1">
-        <a:shade val="60000"/>
-      </a:schemeClr>
+      <a:schemeClr val="accent1"/>
     </dgm:linClrLst>
     <dgm:effectClrLst/>
     <dgm:txLinClrLst/>
@@ -499,12 +552,12 @@
   </dgm:styleLbl>
   <dgm:styleLbl name="parChTrans1D2">
     <dgm:fillClrLst meth="repeat">
-      <a:schemeClr val="accent1"/>
+      <a:schemeClr val="accent3">
+        <a:tint val="90000"/>
+      </a:schemeClr>
     </dgm:fillClrLst>
     <dgm:linClrLst meth="repeat">
-      <a:schemeClr val="accent1">
-        <a:shade val="60000"/>
-      </a:schemeClr>
+      <a:schemeClr val="accent2"/>
     </dgm:linClrLst>
     <dgm:effectClrLst/>
     <dgm:txLinClrLst/>
@@ -515,12 +568,12 @@
   </dgm:styleLbl>
   <dgm:styleLbl name="parChTrans1D3">
     <dgm:fillClrLst meth="repeat">
-      <a:schemeClr val="accent1"/>
+      <a:schemeClr val="accent4">
+        <a:tint val="70000"/>
+      </a:schemeClr>
     </dgm:fillClrLst>
     <dgm:linClrLst meth="repeat">
-      <a:schemeClr val="accent1">
-        <a:shade val="80000"/>
-      </a:schemeClr>
+      <a:schemeClr val="accent3"/>
     </dgm:linClrLst>
     <dgm:effectClrLst/>
     <dgm:txLinClrLst/>
@@ -531,12 +584,12 @@
   </dgm:styleLbl>
   <dgm:styleLbl name="parChTrans1D4">
     <dgm:fillClrLst meth="repeat">
-      <a:schemeClr val="accent1"/>
+      <a:schemeClr val="accent5">
+        <a:tint val="50000"/>
+      </a:schemeClr>
     </dgm:fillClrLst>
     <dgm:linClrLst meth="repeat">
-      <a:schemeClr val="accent1">
-        <a:shade val="80000"/>
-      </a:schemeClr>
+      <a:schemeClr val="accent4"/>
     </dgm:linClrLst>
     <dgm:effectClrLst/>
     <dgm:txLinClrLst/>
@@ -552,7 +605,11 @@
       </a:schemeClr>
     </dgm:fillClrLst>
     <dgm:linClrLst meth="repeat">
-      <a:schemeClr val="accent1"/>
+      <a:schemeClr val="accent2"/>
+      <a:schemeClr val="accent3"/>
+      <a:schemeClr val="accent4"/>
+      <a:schemeClr val="accent5"/>
+      <a:schemeClr val="accent6"/>
     </dgm:linClrLst>
     <dgm:effectClrLst/>
     <dgm:txLinClrLst/>
@@ -568,7 +625,11 @@
       </a:schemeClr>
     </dgm:fillClrLst>
     <dgm:linClrLst meth="repeat">
-      <a:schemeClr val="accent1"/>
+      <a:schemeClr val="accent2"/>
+      <a:schemeClr val="accent3"/>
+      <a:schemeClr val="accent4"/>
+      <a:schemeClr val="accent5"/>
+      <a:schemeClr val="accent6"/>
     </dgm:linClrLst>
     <dgm:effectClrLst/>
     <dgm:txLinClrLst/>
@@ -584,7 +645,11 @@
       </a:schemeClr>
     </dgm:fillClrLst>
     <dgm:linClrLst meth="repeat">
-      <a:schemeClr val="accent1"/>
+      <a:schemeClr val="accent2"/>
+      <a:schemeClr val="accent3"/>
+      <a:schemeClr val="accent4"/>
+      <a:schemeClr val="accent5"/>
+      <a:schemeClr val="accent6"/>
     </dgm:linClrLst>
     <dgm:effectClrLst/>
     <dgm:txLinClrLst/>
@@ -616,7 +681,11 @@
       </a:schemeClr>
     </dgm:fillClrLst>
     <dgm:linClrLst meth="repeat">
-      <a:schemeClr val="accent1"/>
+      <a:schemeClr val="accent2"/>
+      <a:schemeClr val="accent3"/>
+      <a:schemeClr val="accent4"/>
+      <a:schemeClr val="accent5"/>
+      <a:schemeClr val="accent6"/>
     </dgm:linClrLst>
     <dgm:effectClrLst/>
     <dgm:txLinClrLst/>
@@ -630,7 +699,11 @@
       <a:schemeClr val="lt1"/>
     </dgm:fillClrLst>
     <dgm:linClrLst meth="repeat">
-      <a:schemeClr val="accent1"/>
+      <a:schemeClr val="accent2"/>
+      <a:schemeClr val="accent3"/>
+      <a:schemeClr val="accent4"/>
+      <a:schemeClr val="accent5"/>
+      <a:schemeClr val="accent6"/>
     </dgm:linClrLst>
     <dgm:effectClrLst/>
     <dgm:txLinClrLst/>
@@ -644,7 +717,11 @@
       <a:schemeClr val="lt1"/>
     </dgm:fillClrLst>
     <dgm:linClrLst meth="repeat">
-      <a:schemeClr val="accent1"/>
+      <a:schemeClr val="accent2"/>
+      <a:schemeClr val="accent3"/>
+      <a:schemeClr val="accent4"/>
+      <a:schemeClr val="accent5"/>
+      <a:schemeClr val="accent6"/>
     </dgm:linClrLst>
     <dgm:effectClrLst/>
     <dgm:txLinClrLst/>
@@ -658,7 +735,11 @@
       <a:schemeClr val="lt1"/>
     </dgm:fillClrLst>
     <dgm:linClrLst meth="repeat">
-      <a:schemeClr val="accent1"/>
+      <a:schemeClr val="accent2"/>
+      <a:schemeClr val="accent3"/>
+      <a:schemeClr val="accent4"/>
+      <a:schemeClr val="accent5"/>
+      <a:schemeClr val="accent6"/>
     </dgm:linClrLst>
     <dgm:effectClrLst/>
     <dgm:txLinClrLst/>
@@ -669,15 +750,47 @@
   </dgm:styleLbl>
   <dgm:styleLbl name="fgAccFollowNode1">
     <dgm:fillClrLst meth="repeat">
-      <a:schemeClr val="accent1">
+      <a:schemeClr val="accent2">
+        <a:tint val="40000"/>
         <a:alpha val="90000"/>
+      </a:schemeClr>
+      <a:schemeClr val="accent3">
         <a:tint val="40000"/>
+        <a:alpha val="90000"/>
+      </a:schemeClr>
+      <a:schemeClr val="accent4">
+        <a:tint val="40000"/>
+        <a:alpha val="90000"/>
+      </a:schemeClr>
+      <a:schemeClr val="accent5">
+        <a:tint val="40000"/>
+        <a:alpha val="90000"/>
+      </a:schemeClr>
+      <a:schemeClr val="accent6">
+        <a:tint val="40000"/>
+        <a:alpha val="90000"/>
       </a:schemeClr>
     </dgm:fillClrLst>
     <dgm:linClrLst meth="repeat">
-      <a:schemeClr val="accent1">
+      <a:schemeClr val="accent2">
+        <a:tint val="40000"/>
         <a:alpha val="90000"/>
+      </a:schemeClr>
+      <a:schemeClr val="accent3">
         <a:tint val="40000"/>
+        <a:alpha val="90000"/>
+      </a:schemeClr>
+      <a:schemeClr val="accent4">
+        <a:tint val="40000"/>
+        <a:alpha val="90000"/>
+      </a:schemeClr>
+      <a:schemeClr val="accent5">
+        <a:tint val="40000"/>
+        <a:alpha val="90000"/>
+      </a:schemeClr>
+      <a:schemeClr val="accent6">
+        <a:tint val="40000"/>
+        <a:alpha val="90000"/>
       </a:schemeClr>
     </dgm:linClrLst>
     <dgm:effectClrLst/>
@@ -689,15 +802,47 @@
   </dgm:styleLbl>
   <dgm:styleLbl name="alignAccFollowNode1">
     <dgm:fillClrLst meth="repeat">
-      <a:schemeClr val="accent1">
+      <a:schemeClr val="accent2">
+        <a:tint val="40000"/>
         <a:alpha val="90000"/>
+      </a:schemeClr>
+      <a:schemeClr val="accent3">
         <a:tint val="40000"/>
+        <a:alpha val="90000"/>
+      </a:schemeClr>
+      <a:schemeClr val="accent4">
+        <a:tint val="40000"/>
+        <a:alpha val="90000"/>
+      </a:schemeClr>
+      <a:schemeClr val="accent5">
+        <a:tint val="40000"/>
+        <a:alpha val="90000"/>
+      </a:schemeClr>
+      <a:schemeClr val="accent6">
+        <a:tint val="40000"/>
+        <a:alpha val="90000"/>
       </a:schemeClr>
     </dgm:fillClrLst>
     <dgm:linClrLst meth="repeat">
-      <a:schemeClr val="accent1">
+      <a:schemeClr val="accent2">
+        <a:tint val="40000"/>
         <a:alpha val="90000"/>
+      </a:schemeClr>
+      <a:schemeClr val="accent3">
         <a:tint val="40000"/>
+        <a:alpha val="90000"/>
+      </a:schemeClr>
+      <a:schemeClr val="accent4">
+        <a:tint val="40000"/>
+        <a:alpha val="90000"/>
+      </a:schemeClr>
+      <a:schemeClr val="accent5">
+        <a:tint val="40000"/>
+        <a:alpha val="90000"/>
+      </a:schemeClr>
+      <a:schemeClr val="accent6">
+        <a:tint val="40000"/>
+        <a:alpha val="90000"/>
       </a:schemeClr>
     </dgm:linClrLst>
     <dgm:effectClrLst/>
@@ -709,15 +854,47 @@
   </dgm:styleLbl>
   <dgm:styleLbl name="bgAccFollowNode1">
     <dgm:fillClrLst meth="repeat">
-      <a:schemeClr val="accent1">
+      <a:schemeClr val="accent2">
+        <a:tint val="40000"/>
         <a:alpha val="90000"/>
+      </a:schemeClr>
+      <a:schemeClr val="accent3">
         <a:tint val="40000"/>
+        <a:alpha val="90000"/>
+      </a:schemeClr>
+      <a:schemeClr val="accent4">
+        <a:tint val="40000"/>
+        <a:alpha val="90000"/>
+      </a:schemeClr>
+      <a:schemeClr val="accent5">
+        <a:tint val="40000"/>
+        <a:alpha val="90000"/>
+      </a:schemeClr>
+      <a:schemeClr val="accent6">
+        <a:tint val="40000"/>
+        <a:alpha val="90000"/>
       </a:schemeClr>
     </dgm:fillClrLst>
     <dgm:linClrLst meth="repeat">
-      <a:schemeClr val="accent1">
+      <a:schemeClr val="accent2">
+        <a:tint val="40000"/>
         <a:alpha val="90000"/>
+      </a:schemeClr>
+      <a:schemeClr val="accent3">
         <a:tint val="40000"/>
+        <a:alpha val="90000"/>
+      </a:schemeClr>
+      <a:schemeClr val="accent4">
+        <a:tint val="40000"/>
+        <a:alpha val="90000"/>
+      </a:schemeClr>
+      <a:schemeClr val="accent5">
+        <a:tint val="40000"/>
+        <a:alpha val="90000"/>
+      </a:schemeClr>
+      <a:schemeClr val="accent6">
+        <a:tint val="40000"/>
+        <a:alpha val="90000"/>
       </a:schemeClr>
     </dgm:linClrLst>
     <dgm:effectClrLst/>
@@ -733,7 +910,7 @@
         <a:alpha val="90000"/>
       </a:schemeClr>
     </dgm:fillClrLst>
-    <dgm:linClrLst meth="repeat">
+    <dgm:linClrLst>
       <a:schemeClr val="accent1"/>
     </dgm:linClrLst>
     <dgm:effectClrLst/>
@@ -749,8 +926,8 @@
         <a:alpha val="90000"/>
       </a:schemeClr>
     </dgm:fillClrLst>
-    <dgm:linClrLst meth="repeat">
-      <a:schemeClr val="accent1"/>
+    <dgm:linClrLst>
+      <a:schemeClr val="accent2"/>
     </dgm:linClrLst>
     <dgm:effectClrLst/>
     <dgm:txLinClrLst/>
@@ -765,8 +942,8 @@
         <a:alpha val="90000"/>
       </a:schemeClr>
     </dgm:fillClrLst>
-    <dgm:linClrLst meth="repeat">
-      <a:schemeClr val="accent1"/>
+    <dgm:linClrLst>
+      <a:schemeClr val="accent3"/>
     </dgm:linClrLst>
     <dgm:effectClrLst/>
     <dgm:txLinClrLst/>
@@ -781,8 +958,8 @@
         <a:alpha val="90000"/>
       </a:schemeClr>
     </dgm:fillClrLst>
-    <dgm:linClrLst meth="repeat">
-      <a:schemeClr val="accent1"/>
+    <dgm:linClrLst>
+      <a:schemeClr val="accent4"/>
     </dgm:linClrLst>
     <dgm:effectClrLst/>
     <dgm:txLinClrLst/>
@@ -793,12 +970,12 @@
   </dgm:styleLbl>
   <dgm:styleLbl name="bgShp">
     <dgm:fillClrLst meth="repeat">
-      <a:schemeClr val="accent1">
+      <a:schemeClr val="accent2">
         <a:tint val="40000"/>
       </a:schemeClr>
     </dgm:fillClrLst>
     <dgm:linClrLst meth="repeat">
-      <a:schemeClr val="accent1"/>
+      <a:schemeClr val="dk1"/>
     </dgm:linClrLst>
     <dgm:effectClrLst/>
     <dgm:txLinClrLst/>
@@ -809,12 +986,12 @@
   </dgm:styleLbl>
   <dgm:styleLbl name="dkBgShp">
     <dgm:fillClrLst meth="repeat">
-      <a:schemeClr val="accent1">
-        <a:shade val="80000"/>
+      <a:schemeClr val="accent2">
+        <a:shade val="90000"/>
       </a:schemeClr>
     </dgm:fillClrLst>
     <dgm:linClrLst meth="repeat">
-      <a:schemeClr val="accent1"/>
+      <a:schemeClr val="dk1"/>
     </dgm:linClrLst>
     <dgm:effectClrLst/>
     <dgm:txLinClrLst/>
@@ -831,7 +1008,7 @@
       </a:schemeClr>
     </dgm:fillClrLst>
     <dgm:linClrLst meth="repeat">
-      <a:schemeClr val="accent1"/>
+      <a:schemeClr val="accent2"/>
     </dgm:linClrLst>
     <dgm:effectClrLst/>
     <dgm:txLinClrLst/>
@@ -842,8 +1019,8 @@
   </dgm:styleLbl>
   <dgm:styleLbl name="fgShp">
     <dgm:fillClrLst meth="repeat">
-      <a:schemeClr val="accent1">
-        <a:tint val="60000"/>
+      <a:schemeClr val="accent2">
+        <a:tint val="40000"/>
       </a:schemeClr>
     </dgm:fillClrLst>
     <dgm:linClrLst meth="repeat">
@@ -881,7 +1058,7 @@
 <dgm:dataModel xmlns:dgm="http://schemas.openxmlformats.org/drawingml/2006/diagram" xmlns:a="http://schemas.openxmlformats.org/drawingml/2006/main">
   <dgm:ptLst>
     <dgm:pt modelId="{EBD1CBB8-C971-4AB6-9B61-B5BA5EC2EF16}" type="doc">
-      <dgm:prSet loTypeId="urn:microsoft.com/office/officeart/2005/8/layout/process1" loCatId="process" qsTypeId="urn:microsoft.com/office/officeart/2005/8/quickstyle/simple1" qsCatId="simple" csTypeId="urn:microsoft.com/office/officeart/2005/8/colors/accent1_2" csCatId="accent1" phldr="1"/>
+      <dgm:prSet loTypeId="urn:microsoft.com/office/officeart/2005/8/layout/process1" loCatId="process" qsTypeId="urn:microsoft.com/office/officeart/2005/8/quickstyle/simple1" qsCatId="simple" csTypeId="urn:microsoft.com/office/officeart/2005/8/colors/colorful1" csCatId="colorful" phldr="1"/>
       <dgm:spPr/>
     </dgm:pt>
     <dgm:pt modelId="{D5DA3D56-D671-4CA6-9414-B557453212C6}">
@@ -892,9 +1069,10 @@
         <a:lstStyle/>
         <a:p>
           <a:r>
-            <a:rPr lang="zh-TW" altLang="en-US" dirty="0"/>
+            <a:rPr lang="zh-TW" altLang="en-US"/>
             <a:t>前處理</a:t>
           </a:r>
+          <a:endParaRPr lang="zh-TW" altLang="en-US" dirty="0"/>
         </a:p>
       </dgm:t>
     </dgm:pt>
@@ -928,9 +1106,10 @@
         <a:lstStyle/>
         <a:p>
           <a:r>
-            <a:rPr lang="zh-TW" altLang="en-US" dirty="0"/>
+            <a:rPr lang="zh-TW" altLang="en-US"/>
             <a:t>建模</a:t>
           </a:r>
+          <a:endParaRPr lang="zh-TW" altLang="en-US" dirty="0"/>
         </a:p>
       </dgm:t>
     </dgm:pt>
@@ -964,7 +1143,7 @@
         <a:lstStyle/>
         <a:p>
           <a:r>
-            <a:rPr lang="zh-TW" altLang="en-US" dirty="0"/>
+            <a:rPr lang="zh-TW" altLang="en-US"/>
             <a:t>測試</a:t>
           </a:r>
           <a:endParaRPr lang="en-US" altLang="zh-TW" dirty="0"/>
@@ -1023,7 +1202,7 @@
         </a:p>
       </dgm:t>
     </dgm:pt>
-    <dgm:pt modelId="{2081281B-2F95-4136-B945-D83DD7C03A62}" type="pres">
+    <dgm:pt modelId="{8478C6FB-11EE-4F76-81B4-3F157A359F09}" type="pres">
       <dgm:prSet presAssocID="{EBD1CBB8-C971-4AB6-9B61-B5BA5EC2EF16}" presName="Name0" presStyleCnt="0">
         <dgm:presLayoutVars>
           <dgm:dir/>
@@ -1032,7 +1211,7 @@
       </dgm:prSet>
       <dgm:spPr/>
     </dgm:pt>
-    <dgm:pt modelId="{3FB65E14-3809-43B1-8B11-7C5DF3C5433D}" type="pres">
+    <dgm:pt modelId="{84D99DBE-2D0A-4110-9405-E0EB81173138}" type="pres">
       <dgm:prSet presAssocID="{D5DA3D56-D671-4CA6-9414-B557453212C6}" presName="node" presStyleLbl="node1" presStyleIdx="0" presStyleCnt="4">
         <dgm:presLayoutVars>
           <dgm:bulletEnabled val="1"/>
@@ -1040,15 +1219,15 @@
       </dgm:prSet>
       <dgm:spPr/>
     </dgm:pt>
-    <dgm:pt modelId="{31E5270B-1605-4800-A8A8-9717926E0172}" type="pres">
+    <dgm:pt modelId="{4A4BC874-70D3-492D-8A07-4AF3ECF9777F}" type="pres">
       <dgm:prSet presAssocID="{117EAAD8-C860-4C36-AD40-66199AB36940}" presName="sibTrans" presStyleLbl="sibTrans2D1" presStyleIdx="0" presStyleCnt="3"/>
       <dgm:spPr/>
     </dgm:pt>
-    <dgm:pt modelId="{DFC32447-8597-467F-A705-D380EC710B9D}" type="pres">
+    <dgm:pt modelId="{F5447DCB-1A23-4D9A-A6B4-22B5F5213F14}" type="pres">
       <dgm:prSet presAssocID="{117EAAD8-C860-4C36-AD40-66199AB36940}" presName="connectorText" presStyleLbl="sibTrans2D1" presStyleIdx="0" presStyleCnt="3"/>
       <dgm:spPr/>
     </dgm:pt>
-    <dgm:pt modelId="{13EB3D84-E313-448B-BFF6-B5AF8BBFDB9B}" type="pres">
+    <dgm:pt modelId="{1FB58DCE-9CA1-4787-A37B-F9D7ED12CB06}" type="pres">
       <dgm:prSet presAssocID="{3C5E8D68-4326-4768-B3AF-E89B6B47E7BC}" presName="node" presStyleLbl="node1" presStyleIdx="1" presStyleCnt="4">
         <dgm:presLayoutVars>
           <dgm:bulletEnabled val="1"/>
@@ -1056,15 +1235,15 @@
       </dgm:prSet>
       <dgm:spPr/>
     </dgm:pt>
-    <dgm:pt modelId="{84B7F739-2B8E-4818-B90C-3891B5ABA7F4}" type="pres">
+    <dgm:pt modelId="{E4A091A6-EDF2-47AA-855F-5B975511E69F}" type="pres">
       <dgm:prSet presAssocID="{67F6ED04-E74B-4662-BDA2-DCC6B605B0A3}" presName="sibTrans" presStyleLbl="sibTrans2D1" presStyleIdx="1" presStyleCnt="3"/>
       <dgm:spPr/>
     </dgm:pt>
-    <dgm:pt modelId="{3B178B08-29E6-4B31-9C0F-D321E4065B18}" type="pres">
+    <dgm:pt modelId="{E695B7E5-AB9D-421D-AC68-B73FD20323DB}" type="pres">
       <dgm:prSet presAssocID="{67F6ED04-E74B-4662-BDA2-DCC6B605B0A3}" presName="connectorText" presStyleLbl="sibTrans2D1" presStyleIdx="1" presStyleCnt="3"/>
       <dgm:spPr/>
     </dgm:pt>
-    <dgm:pt modelId="{EDC6A861-BB68-4A91-94D3-02FF5A5E77D4}" type="pres">
+    <dgm:pt modelId="{62309A08-6CE0-498B-B7B8-5777B5A146C9}" type="pres">
       <dgm:prSet presAssocID="{E70D1623-6657-4E1F-9BAB-D1A22F5A2301}" presName="node" presStyleLbl="node1" presStyleIdx="2" presStyleCnt="4">
         <dgm:presLayoutVars>
           <dgm:bulletEnabled val="1"/>
@@ -1072,15 +1251,15 @@
       </dgm:prSet>
       <dgm:spPr/>
     </dgm:pt>
-    <dgm:pt modelId="{A524D91D-772B-4183-A9F3-7393F0C9A3BD}" type="pres">
+    <dgm:pt modelId="{D310CC40-EB07-4809-A889-C5E2582E4466}" type="pres">
       <dgm:prSet presAssocID="{6CAE9B74-C79B-4065-BB6B-601358331C9D}" presName="sibTrans" presStyleLbl="sibTrans2D1" presStyleIdx="2" presStyleCnt="3"/>
       <dgm:spPr/>
     </dgm:pt>
-    <dgm:pt modelId="{8556D90E-6435-461E-B7B5-58BC54C48E91}" type="pres">
+    <dgm:pt modelId="{59A2A550-8D86-4B8D-AD5E-DD23DE511EE9}" type="pres">
       <dgm:prSet presAssocID="{6CAE9B74-C79B-4065-BB6B-601358331C9D}" presName="connectorText" presStyleLbl="sibTrans2D1" presStyleIdx="2" presStyleCnt="3"/>
       <dgm:spPr/>
     </dgm:pt>
-    <dgm:pt modelId="{26AF54BA-50DB-4249-B2F1-976373F1ADEF}" type="pres">
+    <dgm:pt modelId="{380C9184-92CC-4194-BC3E-6D484E4AE397}" type="pres">
       <dgm:prSet presAssocID="{3979F4AD-686D-44B2-BD8E-2592B28A60EE}" presName="node" presStyleLbl="node1" presStyleIdx="3" presStyleCnt="4">
         <dgm:presLayoutVars>
           <dgm:bulletEnabled val="1"/>
@@ -1091,30 +1270,30 @@
   </dgm:ptLst>
   <dgm:cxnLst>
     <dgm:cxn modelId="{C2692303-CDA3-46BF-AD97-02876AADAD40}" srcId="{EBD1CBB8-C971-4AB6-9B61-B5BA5EC2EF16}" destId="{3C5E8D68-4326-4768-B3AF-E89B6B47E7BC}" srcOrd="1" destOrd="0" parTransId="{2AF942D4-47E5-4FD8-939A-E06F8CEE221E}" sibTransId="{67F6ED04-E74B-4662-BDA2-DCC6B605B0A3}"/>
+    <dgm:cxn modelId="{373E330B-4067-417D-9C78-03D993B9E1CB}" type="presOf" srcId="{67F6ED04-E74B-4662-BDA2-DCC6B605B0A3}" destId="{E4A091A6-EDF2-47AA-855F-5B975511E69F}" srcOrd="0" destOrd="0" presId="urn:microsoft.com/office/officeart/2005/8/layout/process1"/>
+    <dgm:cxn modelId="{EA78CA15-737D-4C0A-B620-80DA890A7803}" type="presOf" srcId="{D5DA3D56-D671-4CA6-9414-B557453212C6}" destId="{84D99DBE-2D0A-4110-9405-E0EB81173138}" srcOrd="0" destOrd="0" presId="urn:microsoft.com/office/officeart/2005/8/layout/process1"/>
+    <dgm:cxn modelId="{4261831A-EC86-4759-8D3D-21A12B71B43B}" type="presOf" srcId="{E70D1623-6657-4E1F-9BAB-D1A22F5A2301}" destId="{62309A08-6CE0-498B-B7B8-5777B5A146C9}" srcOrd="0" destOrd="0" presId="urn:microsoft.com/office/officeart/2005/8/layout/process1"/>
     <dgm:cxn modelId="{6B7C6A21-12FE-4414-9951-B915A131467C}" srcId="{EBD1CBB8-C971-4AB6-9B61-B5BA5EC2EF16}" destId="{D5DA3D56-D671-4CA6-9414-B557453212C6}" srcOrd="0" destOrd="0" parTransId="{8FF317DA-4561-4C64-8BF0-671EBA13FF6B}" sibTransId="{117EAAD8-C860-4C36-AD40-66199AB36940}"/>
+    <dgm:cxn modelId="{C9C15624-AC00-4233-A66A-45369C57FA7C}" type="presOf" srcId="{6CAE9B74-C79B-4065-BB6B-601358331C9D}" destId="{59A2A550-8D86-4B8D-AD5E-DD23DE511EE9}" srcOrd="1" destOrd="0" presId="urn:microsoft.com/office/officeart/2005/8/layout/process1"/>
+    <dgm:cxn modelId="{178EC32A-768E-4CDB-B47F-6D4C8A239DBB}" type="presOf" srcId="{EBD1CBB8-C971-4AB6-9B61-B5BA5EC2EF16}" destId="{8478C6FB-11EE-4F76-81B4-3F157A359F09}" srcOrd="0" destOrd="0" presId="urn:microsoft.com/office/officeart/2005/8/layout/process1"/>
     <dgm:cxn modelId="{A9706F2C-07DB-4C6A-A981-76E2BD928BCE}" srcId="{EBD1CBB8-C971-4AB6-9B61-B5BA5EC2EF16}" destId="{3979F4AD-686D-44B2-BD8E-2592B28A60EE}" srcOrd="3" destOrd="0" parTransId="{6B9278BE-C602-4DE5-9E41-45479A1DD366}" sibTransId="{C300E30E-29C3-45C8-AECC-4E41F7335A55}"/>
-    <dgm:cxn modelId="{664F8135-90E4-4B4B-8465-733DC42EEF00}" type="presOf" srcId="{67F6ED04-E74B-4662-BDA2-DCC6B605B0A3}" destId="{84B7F739-2B8E-4818-B90C-3891B5ABA7F4}" srcOrd="0" destOrd="0" presId="urn:microsoft.com/office/officeart/2005/8/layout/process1"/>
-    <dgm:cxn modelId="{D9A53D62-09D9-4FC0-9D15-3D335D44138B}" type="presOf" srcId="{6CAE9B74-C79B-4065-BB6B-601358331C9D}" destId="{A524D91D-772B-4183-A9F3-7393F0C9A3BD}" srcOrd="0" destOrd="0" presId="urn:microsoft.com/office/officeart/2005/8/layout/process1"/>
-    <dgm:cxn modelId="{123CC07F-C3D8-4642-B616-AC6BFEDD0E05}" type="presOf" srcId="{3979F4AD-686D-44B2-BD8E-2592B28A60EE}" destId="{26AF54BA-50DB-4249-B2F1-976373F1ADEF}" srcOrd="0" destOrd="0" presId="urn:microsoft.com/office/officeart/2005/8/layout/process1"/>
-    <dgm:cxn modelId="{EAB5C6AE-93C9-4053-8F61-89221FF951DF}" type="presOf" srcId="{D5DA3D56-D671-4CA6-9414-B557453212C6}" destId="{3FB65E14-3809-43B1-8B11-7C5DF3C5433D}" srcOrd="0" destOrd="0" presId="urn:microsoft.com/office/officeart/2005/8/layout/process1"/>
-    <dgm:cxn modelId="{FDEAFDAF-F572-49F2-A0F1-21A27972BA50}" type="presOf" srcId="{3C5E8D68-4326-4768-B3AF-E89B6B47E7BC}" destId="{13EB3D84-E313-448B-BFF6-B5AF8BBFDB9B}" srcOrd="0" destOrd="0" presId="urn:microsoft.com/office/officeart/2005/8/layout/process1"/>
-    <dgm:cxn modelId="{AC5606BC-1E1C-4BB3-8C2D-2D59425824A5}" type="presOf" srcId="{67F6ED04-E74B-4662-BDA2-DCC6B605B0A3}" destId="{3B178B08-29E6-4B31-9C0F-D321E4065B18}" srcOrd="1" destOrd="0" presId="urn:microsoft.com/office/officeart/2005/8/layout/process1"/>
+    <dgm:cxn modelId="{C5B46891-27CD-4FAE-87A4-5FF3BE92A772}" type="presOf" srcId="{117EAAD8-C860-4C36-AD40-66199AB36940}" destId="{4A4BC874-70D3-492D-8A07-4AF3ECF9777F}" srcOrd="0" destOrd="0" presId="urn:microsoft.com/office/officeart/2005/8/layout/process1"/>
+    <dgm:cxn modelId="{B42A9CC7-75BB-40EF-8AE7-C103EADF3622}" type="presOf" srcId="{6CAE9B74-C79B-4065-BB6B-601358331C9D}" destId="{D310CC40-EB07-4809-A889-C5E2582E4466}" srcOrd="0" destOrd="0" presId="urn:microsoft.com/office/officeart/2005/8/layout/process1"/>
     <dgm:cxn modelId="{EA7843CE-2864-430B-A804-D09192AAA734}" srcId="{EBD1CBB8-C971-4AB6-9B61-B5BA5EC2EF16}" destId="{E70D1623-6657-4E1F-9BAB-D1A22F5A2301}" srcOrd="2" destOrd="0" parTransId="{D2867D3B-76FC-4189-B9BA-29B94D4A9D73}" sibTransId="{6CAE9B74-C79B-4065-BB6B-601358331C9D}"/>
-    <dgm:cxn modelId="{0F5169D4-60B1-480A-A63C-521B07DC3B7D}" type="presOf" srcId="{117EAAD8-C860-4C36-AD40-66199AB36940}" destId="{DFC32447-8597-467F-A705-D380EC710B9D}" srcOrd="1" destOrd="0" presId="urn:microsoft.com/office/officeart/2005/8/layout/process1"/>
-    <dgm:cxn modelId="{606EA0D7-EA3E-4FCE-8629-5EA824AC088F}" type="presOf" srcId="{EBD1CBB8-C971-4AB6-9B61-B5BA5EC2EF16}" destId="{2081281B-2F95-4136-B945-D83DD7C03A62}" srcOrd="0" destOrd="0" presId="urn:microsoft.com/office/officeart/2005/8/layout/process1"/>
-    <dgm:cxn modelId="{9D0E22E4-607F-47D6-B8C7-8BA27F6C4A56}" type="presOf" srcId="{6CAE9B74-C79B-4065-BB6B-601358331C9D}" destId="{8556D90E-6435-461E-B7B5-58BC54C48E91}" srcOrd="1" destOrd="0" presId="urn:microsoft.com/office/officeart/2005/8/layout/process1"/>
-    <dgm:cxn modelId="{965F15E5-ECE8-494D-84C6-778FA9C04429}" type="presOf" srcId="{E70D1623-6657-4E1F-9BAB-D1A22F5A2301}" destId="{EDC6A861-BB68-4A91-94D3-02FF5A5E77D4}" srcOrd="0" destOrd="0" presId="urn:microsoft.com/office/officeart/2005/8/layout/process1"/>
-    <dgm:cxn modelId="{1982DFF6-2BBF-4B03-B6D1-CD4E7C290261}" type="presOf" srcId="{117EAAD8-C860-4C36-AD40-66199AB36940}" destId="{31E5270B-1605-4800-A8A8-9717926E0172}" srcOrd="0" destOrd="0" presId="urn:microsoft.com/office/officeart/2005/8/layout/process1"/>
-    <dgm:cxn modelId="{A4409366-74D4-4AC7-AF9F-73A8B8A357E3}" type="presParOf" srcId="{2081281B-2F95-4136-B945-D83DD7C03A62}" destId="{3FB65E14-3809-43B1-8B11-7C5DF3C5433D}" srcOrd="0" destOrd="0" presId="urn:microsoft.com/office/officeart/2005/8/layout/process1"/>
-    <dgm:cxn modelId="{364D92A9-E362-48E2-8849-31F249D2A365}" type="presParOf" srcId="{2081281B-2F95-4136-B945-D83DD7C03A62}" destId="{31E5270B-1605-4800-A8A8-9717926E0172}" srcOrd="1" destOrd="0" presId="urn:microsoft.com/office/officeart/2005/8/layout/process1"/>
-    <dgm:cxn modelId="{DA49F31B-842F-4EED-846B-A9D063CEAD5E}" type="presParOf" srcId="{31E5270B-1605-4800-A8A8-9717926E0172}" destId="{DFC32447-8597-467F-A705-D380EC710B9D}" srcOrd="0" destOrd="0" presId="urn:microsoft.com/office/officeart/2005/8/layout/process1"/>
-    <dgm:cxn modelId="{58D554B9-C935-49EA-981F-C6805884F609}" type="presParOf" srcId="{2081281B-2F95-4136-B945-D83DD7C03A62}" destId="{13EB3D84-E313-448B-BFF6-B5AF8BBFDB9B}" srcOrd="2" destOrd="0" presId="urn:microsoft.com/office/officeart/2005/8/layout/process1"/>
-    <dgm:cxn modelId="{47847DF1-9943-46AB-869D-FCE591E042D4}" type="presParOf" srcId="{2081281B-2F95-4136-B945-D83DD7C03A62}" destId="{84B7F739-2B8E-4818-B90C-3891B5ABA7F4}" srcOrd="3" destOrd="0" presId="urn:microsoft.com/office/officeart/2005/8/layout/process1"/>
-    <dgm:cxn modelId="{BF11AABB-B6E6-4B98-B7E2-DF951B19FF40}" type="presParOf" srcId="{84B7F739-2B8E-4818-B90C-3891B5ABA7F4}" destId="{3B178B08-29E6-4B31-9C0F-D321E4065B18}" srcOrd="0" destOrd="0" presId="urn:microsoft.com/office/officeart/2005/8/layout/process1"/>
-    <dgm:cxn modelId="{76DDEBAC-1CFE-49D6-B92B-02E07C7ABE3C}" type="presParOf" srcId="{2081281B-2F95-4136-B945-D83DD7C03A62}" destId="{EDC6A861-BB68-4A91-94D3-02FF5A5E77D4}" srcOrd="4" destOrd="0" presId="urn:microsoft.com/office/officeart/2005/8/layout/process1"/>
-    <dgm:cxn modelId="{B80AF867-98E1-4C1C-A374-C3D2F93B2BB4}" type="presParOf" srcId="{2081281B-2F95-4136-B945-D83DD7C03A62}" destId="{A524D91D-772B-4183-A9F3-7393F0C9A3BD}" srcOrd="5" destOrd="0" presId="urn:microsoft.com/office/officeart/2005/8/layout/process1"/>
-    <dgm:cxn modelId="{BAE4F427-785D-4EA0-A463-0085315659C7}" type="presParOf" srcId="{A524D91D-772B-4183-A9F3-7393F0C9A3BD}" destId="{8556D90E-6435-461E-B7B5-58BC54C48E91}" srcOrd="0" destOrd="0" presId="urn:microsoft.com/office/officeart/2005/8/layout/process1"/>
-    <dgm:cxn modelId="{16C70E15-EBEE-43FA-AF5A-4F4D27670ED9}" type="presParOf" srcId="{2081281B-2F95-4136-B945-D83DD7C03A62}" destId="{26AF54BA-50DB-4249-B2F1-976373F1ADEF}" srcOrd="6" destOrd="0" presId="urn:microsoft.com/office/officeart/2005/8/layout/process1"/>
+    <dgm:cxn modelId="{CDC1ABD0-60C1-4023-A603-CE1014B6212C}" type="presOf" srcId="{67F6ED04-E74B-4662-BDA2-DCC6B605B0A3}" destId="{E695B7E5-AB9D-421D-AC68-B73FD20323DB}" srcOrd="1" destOrd="0" presId="urn:microsoft.com/office/officeart/2005/8/layout/process1"/>
+    <dgm:cxn modelId="{B4E412EA-B37D-441E-9C33-839D2DB5A609}" type="presOf" srcId="{3979F4AD-686D-44B2-BD8E-2592B28A60EE}" destId="{380C9184-92CC-4194-BC3E-6D484E4AE397}" srcOrd="0" destOrd="0" presId="urn:microsoft.com/office/officeart/2005/8/layout/process1"/>
+    <dgm:cxn modelId="{9F6928F3-7C69-4887-923E-DB8594C66FCB}" type="presOf" srcId="{3C5E8D68-4326-4768-B3AF-E89B6B47E7BC}" destId="{1FB58DCE-9CA1-4787-A37B-F9D7ED12CB06}" srcOrd="0" destOrd="0" presId="urn:microsoft.com/office/officeart/2005/8/layout/process1"/>
+    <dgm:cxn modelId="{0BAA07F9-A356-4BF9-806B-003AC7467C9E}" type="presOf" srcId="{117EAAD8-C860-4C36-AD40-66199AB36940}" destId="{F5447DCB-1A23-4D9A-A6B4-22B5F5213F14}" srcOrd="1" destOrd="0" presId="urn:microsoft.com/office/officeart/2005/8/layout/process1"/>
+    <dgm:cxn modelId="{BA1C5B8E-8A0D-4CA8-B9A2-03733975C5BD}" type="presParOf" srcId="{8478C6FB-11EE-4F76-81B4-3F157A359F09}" destId="{84D99DBE-2D0A-4110-9405-E0EB81173138}" srcOrd="0" destOrd="0" presId="urn:microsoft.com/office/officeart/2005/8/layout/process1"/>
+    <dgm:cxn modelId="{315C6762-20BF-4957-AB08-B297387186F4}" type="presParOf" srcId="{8478C6FB-11EE-4F76-81B4-3F157A359F09}" destId="{4A4BC874-70D3-492D-8A07-4AF3ECF9777F}" srcOrd="1" destOrd="0" presId="urn:microsoft.com/office/officeart/2005/8/layout/process1"/>
+    <dgm:cxn modelId="{B7C83A87-98D5-4F77-A2A1-FB972D6062DD}" type="presParOf" srcId="{4A4BC874-70D3-492D-8A07-4AF3ECF9777F}" destId="{F5447DCB-1A23-4D9A-A6B4-22B5F5213F14}" srcOrd="0" destOrd="0" presId="urn:microsoft.com/office/officeart/2005/8/layout/process1"/>
+    <dgm:cxn modelId="{1DABAFCC-C813-465A-B390-D6D04545F1CC}" type="presParOf" srcId="{8478C6FB-11EE-4F76-81B4-3F157A359F09}" destId="{1FB58DCE-9CA1-4787-A37B-F9D7ED12CB06}" srcOrd="2" destOrd="0" presId="urn:microsoft.com/office/officeart/2005/8/layout/process1"/>
+    <dgm:cxn modelId="{17A729F1-FCFD-488A-B661-B160D0896C5F}" type="presParOf" srcId="{8478C6FB-11EE-4F76-81B4-3F157A359F09}" destId="{E4A091A6-EDF2-47AA-855F-5B975511E69F}" srcOrd="3" destOrd="0" presId="urn:microsoft.com/office/officeart/2005/8/layout/process1"/>
+    <dgm:cxn modelId="{5AC24693-735F-4ACE-86CC-CF5F614D14D2}" type="presParOf" srcId="{E4A091A6-EDF2-47AA-855F-5B975511E69F}" destId="{E695B7E5-AB9D-421D-AC68-B73FD20323DB}" srcOrd="0" destOrd="0" presId="urn:microsoft.com/office/officeart/2005/8/layout/process1"/>
+    <dgm:cxn modelId="{7AFEEB3F-7CF3-4876-AFC5-BCAA210CEA45}" type="presParOf" srcId="{8478C6FB-11EE-4F76-81B4-3F157A359F09}" destId="{62309A08-6CE0-498B-B7B8-5777B5A146C9}" srcOrd="4" destOrd="0" presId="urn:microsoft.com/office/officeart/2005/8/layout/process1"/>
+    <dgm:cxn modelId="{4B2936C5-B37F-4082-BC56-67E0A51E2CDC}" type="presParOf" srcId="{8478C6FB-11EE-4F76-81B4-3F157A359F09}" destId="{D310CC40-EB07-4809-A889-C5E2582E4466}" srcOrd="5" destOrd="0" presId="urn:microsoft.com/office/officeart/2005/8/layout/process1"/>
+    <dgm:cxn modelId="{8503A14A-9370-4B53-8A6F-CC679CE03E30}" type="presParOf" srcId="{D310CC40-EB07-4809-A889-C5E2582E4466}" destId="{59A2A550-8D86-4B8D-AD5E-DD23DE511EE9}" srcOrd="0" destOrd="0" presId="urn:microsoft.com/office/officeart/2005/8/layout/process1"/>
+    <dgm:cxn modelId="{FA87D767-816F-49D7-A96A-199ACF744D74}" type="presParOf" srcId="{8478C6FB-11EE-4F76-81B4-3F157A359F09}" destId="{380C9184-92CC-4194-BC3E-6D484E4AE397}" srcOrd="6" destOrd="0" presId="urn:microsoft.com/office/officeart/2005/8/layout/process1"/>
   </dgm:cxnLst>
   <dgm:bg/>
   <dgm:whole/>
@@ -1134,15 +1313,15 @@
       <dsp:cNvGrpSpPr/>
     </dsp:nvGrpSpPr>
     <dsp:grpSpPr/>
-    <dsp:sp modelId="{3FB65E14-3809-43B1-8B11-7C5DF3C5433D}">
+    <dsp:sp modelId="{84D99DBE-2D0A-4110-9405-E0EB81173138}">
       <dsp:nvSpPr>
         <dsp:cNvPr id="0" name=""/>
         <dsp:cNvSpPr/>
       </dsp:nvSpPr>
       <dsp:spPr>
         <a:xfrm>
-          <a:off x="3473" y="1740584"/>
-          <a:ext cx="1518864" cy="911318"/>
+          <a:off x="3164" y="1375628"/>
+          <a:ext cx="1383571" cy="830142"/>
         </a:xfrm>
         <a:prstGeom prst="roundRect">
           <a:avLst>
@@ -1150,7 +1329,7 @@
           </a:avLst>
         </a:prstGeom>
         <a:solidFill>
-          <a:schemeClr val="accent1">
+          <a:schemeClr val="accent2">
             <a:hueOff val="0"/>
             <a:satOff val="0"/>
             <a:lumOff val="0"/>
@@ -1185,12 +1364,12 @@
         </a:fontRef>
       </dsp:style>
       <dsp:txBody>
-        <a:bodyPr spcFirstLastPara="0" vert="horz" wrap="square" lIns="114300" tIns="114300" rIns="114300" bIns="114300" numCol="1" spcCol="1270" anchor="ctr" anchorCtr="0">
+        <a:bodyPr spcFirstLastPara="0" vert="horz" wrap="square" lIns="102870" tIns="102870" rIns="102870" bIns="102870" numCol="1" spcCol="1270" anchor="ctr" anchorCtr="0">
           <a:noAutofit/>
         </a:bodyPr>
         <a:lstStyle/>
         <a:p>
-          <a:pPr marL="0" lvl="0" indent="0" algn="ctr" defTabSz="1333500">
+          <a:pPr marL="0" lvl="0" indent="0" algn="ctr" defTabSz="1200150">
             <a:lnSpc>
               <a:spcPct val="90000"/>
             </a:lnSpc>
@@ -1203,25 +1382,26 @@
             <a:buNone/>
           </a:pPr>
           <a:r>
-            <a:rPr lang="zh-TW" altLang="en-US" sz="3000" kern="1200" dirty="0"/>
+            <a:rPr lang="zh-TW" altLang="en-US" sz="2700" kern="1200"/>
             <a:t>前處理</a:t>
           </a:r>
+          <a:endParaRPr lang="zh-TW" altLang="en-US" sz="2700" kern="1200" dirty="0"/>
         </a:p>
       </dsp:txBody>
       <dsp:txXfrm>
-        <a:off x="30165" y="1767276"/>
-        <a:ext cx="1465480" cy="857934"/>
+        <a:off x="27478" y="1399942"/>
+        <a:ext cx="1334943" cy="781514"/>
       </dsp:txXfrm>
     </dsp:sp>
-    <dsp:sp modelId="{31E5270B-1605-4800-A8A8-9717926E0172}">
+    <dsp:sp modelId="{4A4BC874-70D3-492D-8A07-4AF3ECF9777F}">
       <dsp:nvSpPr>
         <dsp:cNvPr id="0" name=""/>
         <dsp:cNvSpPr/>
       </dsp:nvSpPr>
       <dsp:spPr>
         <a:xfrm>
-          <a:off x="1674224" y="2007904"/>
-          <a:ext cx="321999" cy="376678"/>
+          <a:off x="1525092" y="1619137"/>
+          <a:ext cx="293317" cy="343125"/>
         </a:xfrm>
         <a:prstGeom prst="rightArrow">
           <a:avLst>
@@ -1230,8 +1410,7 @@
           </a:avLst>
         </a:prstGeom>
         <a:solidFill>
-          <a:schemeClr val="accent1">
-            <a:tint val="60000"/>
+          <a:schemeClr val="accent2">
             <a:hueOff val="0"/>
             <a:satOff val="0"/>
             <a:lumOff val="0"/>
@@ -1263,7 +1442,7 @@
         </a:bodyPr>
         <a:lstStyle/>
         <a:p>
-          <a:pPr marL="0" lvl="0" indent="0" algn="ctr" defTabSz="755650">
+          <a:pPr marL="0" lvl="0" indent="0" algn="ctr" defTabSz="666750">
             <a:lnSpc>
               <a:spcPct val="90000"/>
             </a:lnSpc>
@@ -1275,23 +1454,23 @@
             </a:spcAft>
             <a:buNone/>
           </a:pPr>
-          <a:endParaRPr lang="zh-TW" altLang="en-US" sz="1700" kern="1200"/>
+          <a:endParaRPr lang="zh-TW" altLang="en-US" sz="1500" kern="1200"/>
         </a:p>
       </dsp:txBody>
       <dsp:txXfrm>
-        <a:off x="1674224" y="2083240"/>
-        <a:ext cx="225399" cy="226006"/>
+        <a:off x="1525092" y="1687762"/>
+        <a:ext cx="205322" cy="205875"/>
       </dsp:txXfrm>
     </dsp:sp>
-    <dsp:sp modelId="{13EB3D84-E313-448B-BFF6-B5AF8BBFDB9B}">
+    <dsp:sp modelId="{1FB58DCE-9CA1-4787-A37B-F9D7ED12CB06}">
       <dsp:nvSpPr>
         <dsp:cNvPr id="0" name=""/>
         <dsp:cNvSpPr/>
       </dsp:nvSpPr>
       <dsp:spPr>
         <a:xfrm>
-          <a:off x="2129884" y="1740584"/>
-          <a:ext cx="1518864" cy="911318"/>
+          <a:off x="1940164" y="1375628"/>
+          <a:ext cx="1383571" cy="830142"/>
         </a:xfrm>
         <a:prstGeom prst="roundRect">
           <a:avLst>
@@ -1299,7 +1478,7 @@
           </a:avLst>
         </a:prstGeom>
         <a:solidFill>
-          <a:schemeClr val="accent1">
+          <a:schemeClr val="accent3">
             <a:hueOff val="0"/>
             <a:satOff val="0"/>
             <a:lumOff val="0"/>
@@ -1334,12 +1513,12 @@
         </a:fontRef>
       </dsp:style>
       <dsp:txBody>
-        <a:bodyPr spcFirstLastPara="0" vert="horz" wrap="square" lIns="114300" tIns="114300" rIns="114300" bIns="114300" numCol="1" spcCol="1270" anchor="ctr" anchorCtr="0">
+        <a:bodyPr spcFirstLastPara="0" vert="horz" wrap="square" lIns="102870" tIns="102870" rIns="102870" bIns="102870" numCol="1" spcCol="1270" anchor="ctr" anchorCtr="0">
           <a:noAutofit/>
         </a:bodyPr>
         <a:lstStyle/>
         <a:p>
-          <a:pPr marL="0" lvl="0" indent="0" algn="ctr" defTabSz="1333500">
+          <a:pPr marL="0" lvl="0" indent="0" algn="ctr" defTabSz="1200150">
             <a:lnSpc>
               <a:spcPct val="90000"/>
             </a:lnSpc>
@@ -1352,26 +1531,26 @@
             <a:buNone/>
           </a:pPr>
           <a:r>
-            <a:rPr lang="zh-TW" altLang="en-US" sz="3000" kern="1200"/>
+            <a:rPr lang="zh-TW" altLang="en-US" sz="2700" kern="1200"/>
             <a:t>分析</a:t>
           </a:r>
-          <a:endParaRPr lang="zh-TW" altLang="en-US" sz="3000" kern="1200" dirty="0"/>
+          <a:endParaRPr lang="zh-TW" altLang="en-US" sz="2700" kern="1200" dirty="0"/>
         </a:p>
       </dsp:txBody>
       <dsp:txXfrm>
-        <a:off x="2156576" y="1767276"/>
-        <a:ext cx="1465480" cy="857934"/>
+        <a:off x="1964478" y="1399942"/>
+        <a:ext cx="1334943" cy="781514"/>
       </dsp:txXfrm>
     </dsp:sp>
-    <dsp:sp modelId="{84B7F739-2B8E-4818-B90C-3891B5ABA7F4}">
+    <dsp:sp modelId="{E4A091A6-EDF2-47AA-855F-5B975511E69F}">
       <dsp:nvSpPr>
         <dsp:cNvPr id="0" name=""/>
         <dsp:cNvSpPr/>
       </dsp:nvSpPr>
       <dsp:spPr>
         <a:xfrm>
-          <a:off x="3800635" y="2007904"/>
-          <a:ext cx="321999" cy="376678"/>
+          <a:off x="3462092" y="1619137"/>
+          <a:ext cx="293317" cy="343125"/>
         </a:xfrm>
         <a:prstGeom prst="rightArrow">
           <a:avLst>
@@ -1380,8 +1559,7 @@
           </a:avLst>
         </a:prstGeom>
         <a:solidFill>
-          <a:schemeClr val="accent1">
-            <a:tint val="60000"/>
+          <a:schemeClr val="accent3">
             <a:hueOff val="0"/>
             <a:satOff val="0"/>
             <a:lumOff val="0"/>
@@ -1413,7 +1591,7 @@
         </a:bodyPr>
         <a:lstStyle/>
         <a:p>
-          <a:pPr marL="0" lvl="0" indent="0" algn="ctr" defTabSz="755650">
+          <a:pPr marL="0" lvl="0" indent="0" algn="ctr" defTabSz="666750">
             <a:lnSpc>
               <a:spcPct val="90000"/>
             </a:lnSpc>
@@ -1425,23 +1603,23 @@
             </a:spcAft>
             <a:buNone/>
           </a:pPr>
-          <a:endParaRPr lang="zh-TW" altLang="en-US" sz="1700" kern="1200"/>
+          <a:endParaRPr lang="zh-TW" altLang="en-US" sz="1500" kern="1200"/>
         </a:p>
       </dsp:txBody>
       <dsp:txXfrm>
-        <a:off x="3800635" y="2083240"/>
-        <a:ext cx="225399" cy="226006"/>
+        <a:off x="3462092" y="1687762"/>
+        <a:ext cx="205322" cy="205875"/>
       </dsp:txXfrm>
     </dsp:sp>
-    <dsp:sp modelId="{EDC6A861-BB68-4A91-94D3-02FF5A5E77D4}">
+    <dsp:sp modelId="{62309A08-6CE0-498B-B7B8-5777B5A146C9}">
       <dsp:nvSpPr>
         <dsp:cNvPr id="0" name=""/>
         <dsp:cNvSpPr/>
       </dsp:nvSpPr>
       <dsp:spPr>
         <a:xfrm>
-          <a:off x="4256294" y="1740584"/>
-          <a:ext cx="1518864" cy="911318"/>
+          <a:off x="3877164" y="1375628"/>
+          <a:ext cx="1383571" cy="830142"/>
         </a:xfrm>
         <a:prstGeom prst="roundRect">
           <a:avLst>
@@ -1449,7 +1627,7 @@
           </a:avLst>
         </a:prstGeom>
         <a:solidFill>
-          <a:schemeClr val="accent1">
+          <a:schemeClr val="accent4">
             <a:hueOff val="0"/>
             <a:satOff val="0"/>
             <a:lumOff val="0"/>
@@ -1484,12 +1662,12 @@
         </a:fontRef>
       </dsp:style>
       <dsp:txBody>
-        <a:bodyPr spcFirstLastPara="0" vert="horz" wrap="square" lIns="114300" tIns="114300" rIns="114300" bIns="114300" numCol="1" spcCol="1270" anchor="ctr" anchorCtr="0">
+        <a:bodyPr spcFirstLastPara="0" vert="horz" wrap="square" lIns="102870" tIns="102870" rIns="102870" bIns="102870" numCol="1" spcCol="1270" anchor="ctr" anchorCtr="0">
           <a:noAutofit/>
         </a:bodyPr>
         <a:lstStyle/>
         <a:p>
-          <a:pPr marL="0" lvl="0" indent="0" algn="ctr" defTabSz="1333500">
+          <a:pPr marL="0" lvl="0" indent="0" algn="ctr" defTabSz="1200150">
             <a:lnSpc>
               <a:spcPct val="90000"/>
             </a:lnSpc>
@@ -1502,25 +1680,26 @@
             <a:buNone/>
           </a:pPr>
           <a:r>
-            <a:rPr lang="zh-TW" altLang="en-US" sz="3000" kern="1200" dirty="0"/>
+            <a:rPr lang="zh-TW" altLang="en-US" sz="2700" kern="1200"/>
             <a:t>建模</a:t>
           </a:r>
+          <a:endParaRPr lang="zh-TW" altLang="en-US" sz="2700" kern="1200" dirty="0"/>
         </a:p>
       </dsp:txBody>
       <dsp:txXfrm>
-        <a:off x="4282986" y="1767276"/>
-        <a:ext cx="1465480" cy="857934"/>
+        <a:off x="3901478" y="1399942"/>
+        <a:ext cx="1334943" cy="781514"/>
       </dsp:txXfrm>
     </dsp:sp>
-    <dsp:sp modelId="{A524D91D-772B-4183-A9F3-7393F0C9A3BD}">
+    <dsp:sp modelId="{D310CC40-EB07-4809-A889-C5E2582E4466}">
       <dsp:nvSpPr>
         <dsp:cNvPr id="0" name=""/>
         <dsp:cNvSpPr/>
       </dsp:nvSpPr>
       <dsp:spPr>
         <a:xfrm>
-          <a:off x="5927045" y="2007904"/>
-          <a:ext cx="321999" cy="376678"/>
+          <a:off x="5399092" y="1619137"/>
+          <a:ext cx="293317" cy="343125"/>
         </a:xfrm>
         <a:prstGeom prst="rightArrow">
           <a:avLst>
@@ -1529,8 +1708,7 @@
           </a:avLst>
         </a:prstGeom>
         <a:solidFill>
-          <a:schemeClr val="accent1">
-            <a:tint val="60000"/>
+          <a:schemeClr val="accent4">
             <a:hueOff val="0"/>
             <a:satOff val="0"/>
             <a:lumOff val="0"/>
@@ -1562,7 +1740,7 @@
         </a:bodyPr>
         <a:lstStyle/>
         <a:p>
-          <a:pPr marL="0" lvl="0" indent="0" algn="ctr" defTabSz="755650">
+          <a:pPr marL="0" lvl="0" indent="0" algn="ctr" defTabSz="666750">
             <a:lnSpc>
               <a:spcPct val="90000"/>
             </a:lnSpc>
@@ -1574,23 +1752,23 @@
             </a:spcAft>
             <a:buNone/>
           </a:pPr>
-          <a:endParaRPr lang="zh-TW" altLang="en-US" sz="1700" kern="1200"/>
+          <a:endParaRPr lang="zh-TW" altLang="en-US" sz="1500" kern="1200"/>
         </a:p>
       </dsp:txBody>
       <dsp:txXfrm>
-        <a:off x="5927045" y="2083240"/>
-        <a:ext cx="225399" cy="226006"/>
+        <a:off x="5399092" y="1687762"/>
+        <a:ext cx="205322" cy="205875"/>
       </dsp:txXfrm>
     </dsp:sp>
-    <dsp:sp modelId="{26AF54BA-50DB-4249-B2F1-976373F1ADEF}">
+    <dsp:sp modelId="{380C9184-92CC-4194-BC3E-6D484E4AE397}">
       <dsp:nvSpPr>
         <dsp:cNvPr id="0" name=""/>
         <dsp:cNvSpPr/>
       </dsp:nvSpPr>
       <dsp:spPr>
         <a:xfrm>
-          <a:off x="6382704" y="1740584"/>
-          <a:ext cx="1518864" cy="911318"/>
+          <a:off x="5814164" y="1375628"/>
+          <a:ext cx="1383571" cy="830142"/>
         </a:xfrm>
         <a:prstGeom prst="roundRect">
           <a:avLst>
@@ -1598,7 +1776,7 @@
           </a:avLst>
         </a:prstGeom>
         <a:solidFill>
-          <a:schemeClr val="accent1">
+          <a:schemeClr val="accent5">
             <a:hueOff val="0"/>
             <a:satOff val="0"/>
             <a:lumOff val="0"/>
@@ -1633,12 +1811,12 @@
         </a:fontRef>
       </dsp:style>
       <dsp:txBody>
-        <a:bodyPr spcFirstLastPara="0" vert="horz" wrap="square" lIns="114300" tIns="114300" rIns="114300" bIns="114300" numCol="1" spcCol="1270" anchor="ctr" anchorCtr="0">
+        <a:bodyPr spcFirstLastPara="0" vert="horz" wrap="square" lIns="102870" tIns="102870" rIns="102870" bIns="102870" numCol="1" spcCol="1270" anchor="ctr" anchorCtr="0">
           <a:noAutofit/>
         </a:bodyPr>
         <a:lstStyle/>
         <a:p>
-          <a:pPr marL="0" lvl="0" indent="0" algn="ctr" defTabSz="1333500">
+          <a:pPr marL="0" lvl="0" indent="0" algn="ctr" defTabSz="1200150">
             <a:lnSpc>
               <a:spcPct val="90000"/>
             </a:lnSpc>
@@ -1651,15 +1829,15 @@
             <a:buNone/>
           </a:pPr>
           <a:r>
-            <a:rPr lang="zh-TW" altLang="en-US" sz="3000" kern="1200" dirty="0"/>
+            <a:rPr lang="zh-TW" altLang="en-US" sz="2700" kern="1200"/>
             <a:t>測試</a:t>
           </a:r>
-          <a:endParaRPr lang="en-US" altLang="zh-TW" sz="3000" kern="1200" dirty="0"/>
+          <a:endParaRPr lang="en-US" altLang="zh-TW" sz="2700" kern="1200" dirty="0"/>
         </a:p>
       </dsp:txBody>
       <dsp:txXfrm>
-        <a:off x="6409396" y="1767276"/>
-        <a:ext cx="1465480" cy="857934"/>
+        <a:off x="5838478" y="1399942"/>
+        <a:ext cx="1334943" cy="781514"/>
       </dsp:txXfrm>
     </dsp:sp>
   </dsp:spTree>
@@ -6781,7 +6959,7 @@
         </p:nvSpPr>
         <p:spPr>
           <a:xfrm>
-            <a:off x="685800" y="2175303"/>
+            <a:off x="685800" y="2463336"/>
             <a:ext cx="7772400" cy="1829761"/>
           </a:xfrm>
         </p:spPr>
@@ -6797,6 +6975,14 @@
               <a:rPr lang="zh-TW" altLang="en-US" dirty="0"/>
               <a:t>資料分析</a:t>
             </a:r>
+            <a:br>
+              <a:rPr lang="en-US" altLang="zh-TW" dirty="0"/>
+            </a:br>
+            <a:r>
+              <a:rPr lang="zh-TW" altLang="en-US" sz="3200" dirty="0"/>
+              <a:t>拜託給我高分吧</a:t>
+            </a:r>
+            <a:endParaRPr lang="zh-TW" altLang="en-US" dirty="0"/>
           </a:p>
         </p:txBody>
       </p:sp>
@@ -7036,7 +7222,7 @@
 </p:sld>
 </file>
 
-<file path=ppt/slides/slide2.xml><?xml version="1.0" encoding="utf-8"?>
+<file path=ppt/slides/slide10.xml><?xml version="1.0" encoding="utf-8"?>
 <p:sld xmlns:a="http://schemas.openxmlformats.org/drawingml/2006/main" xmlns:r="http://schemas.openxmlformats.org/officeDocument/2006/relationships" xmlns:p="http://schemas.openxmlformats.org/presentationml/2006/main">
   <p:cSld>
     <p:spTree>
@@ -7070,8 +7256,646 @@
           <a:p>
             <a:r>
               <a:rPr lang="zh-TW" altLang="en-US" dirty="0"/>
+              <a:t>測試</a:t>
+            </a:r>
+            <a:r>
+              <a:rPr lang="en-US" altLang="zh-TW" dirty="0"/>
+              <a:t>(KNN)</a:t>
+            </a:r>
+            <a:endParaRPr lang="zh-TW" altLang="en-US" dirty="0"/>
+          </a:p>
+        </p:txBody>
+      </p:sp>
+      <p:pic>
+        <p:nvPicPr>
+          <p:cNvPr id="5" name="圖片 4" descr="一張含有 螢幕擷取畫面 的圖片&#10;&#10;自動產生的描述">
+            <a:extLst>
+              <a:ext uri="{FF2B5EF4-FFF2-40B4-BE49-F238E27FC236}">
+                <a16:creationId xmlns:a16="http://schemas.microsoft.com/office/drawing/2014/main" id="{73EFCF5A-D27B-41C9-945A-D12AF9815D29}"/>
+              </a:ext>
+            </a:extLst>
+          </p:cNvPr>
+          <p:cNvPicPr>
+            <a:picLocks noChangeAspect="1"/>
+          </p:cNvPicPr>
+          <p:nvPr/>
+        </p:nvPicPr>
+        <p:blipFill>
+          <a:blip r:embed="rId2">
+            <a:extLst>
+              <a:ext uri="{28A0092B-C50C-407E-A947-70E740481C1C}">
+                <a14:useLocalDpi xmlns:a14="http://schemas.microsoft.com/office/drawing/2010/main" val="0"/>
+              </a:ext>
+            </a:extLst>
+          </a:blip>
+          <a:stretch>
+            <a:fillRect/>
+          </a:stretch>
+        </p:blipFill>
+        <p:spPr>
+          <a:xfrm>
+            <a:off x="2143000" y="2636912"/>
+            <a:ext cx="4858000" cy="2749691"/>
+          </a:xfrm>
+          <a:prstGeom prst="rect">
+            <a:avLst/>
+          </a:prstGeom>
+        </p:spPr>
+      </p:pic>
+      <p:sp>
+        <p:nvSpPr>
+          <p:cNvPr id="6" name="文字方塊 5">
+            <a:extLst>
+              <a:ext uri="{FF2B5EF4-FFF2-40B4-BE49-F238E27FC236}">
+                <a16:creationId xmlns:a16="http://schemas.microsoft.com/office/drawing/2014/main" id="{5E7B7BB5-8462-466B-B7AC-710B680F6C6E}"/>
+              </a:ext>
+            </a:extLst>
+          </p:cNvPr>
+          <p:cNvSpPr txBox="1"/>
+          <p:nvPr/>
+        </p:nvSpPr>
+        <p:spPr>
+          <a:xfrm flipH="1">
+            <a:off x="1028834" y="1987034"/>
+            <a:ext cx="3111117" cy="369332"/>
+          </a:xfrm>
+          <a:prstGeom prst="rect">
+            <a:avLst/>
+          </a:prstGeom>
+          <a:noFill/>
+        </p:spPr>
+        <p:txBody>
+          <a:bodyPr wrap="square" rtlCol="0">
+            <a:spAutoFit/>
+          </a:bodyPr>
+          <a:lstStyle/>
+          <a:p>
+            <a:r>
+              <a:rPr lang="zh-TW" altLang="en-US" dirty="0"/>
+              <a:t>改變</a:t>
+            </a:r>
+            <a:r>
+              <a:rPr lang="en-US" altLang="zh-TW" dirty="0" err="1"/>
+              <a:t>n_neighbors</a:t>
+            </a:r>
+            <a:r>
+              <a:rPr lang="zh-TW" altLang="en-US" dirty="0"/>
+              <a:t>、</a:t>
+            </a:r>
+            <a:r>
+              <a:rPr lang="en-US" altLang="zh-TW" dirty="0" err="1"/>
+              <a:t>leaf_size</a:t>
+            </a:r>
+            <a:endParaRPr lang="zh-TW" altLang="en-US" dirty="0"/>
+          </a:p>
+        </p:txBody>
+      </p:sp>
+    </p:spTree>
+    <p:extLst>
+      <p:ext uri="{BB962C8B-B14F-4D97-AF65-F5344CB8AC3E}">
+        <p14:creationId xmlns:p14="http://schemas.microsoft.com/office/powerpoint/2010/main" val="604053803"/>
+      </p:ext>
+    </p:extLst>
+  </p:cSld>
+  <p:clrMapOvr>
+    <a:masterClrMapping/>
+  </p:clrMapOvr>
+</p:sld>
+</file>
+
+<file path=ppt/slides/slide11.xml><?xml version="1.0" encoding="utf-8"?>
+<p:sld xmlns:a="http://schemas.openxmlformats.org/drawingml/2006/main" xmlns:r="http://schemas.openxmlformats.org/officeDocument/2006/relationships" xmlns:p="http://schemas.openxmlformats.org/presentationml/2006/main">
+  <p:cSld>
+    <p:spTree>
+      <p:nvGrpSpPr>
+        <p:cNvPr id="1" name=""/>
+        <p:cNvGrpSpPr/>
+        <p:nvPr/>
+      </p:nvGrpSpPr>
+      <p:grpSpPr>
+        <a:xfrm>
+          <a:off x="0" y="0"/>
+          <a:ext cx="0" cy="0"/>
+          <a:chOff x="0" y="0"/>
+          <a:chExt cx="0" cy="0"/>
+        </a:xfrm>
+      </p:grpSpPr>
+      <p:sp>
+        <p:nvSpPr>
+          <p:cNvPr id="3" name="標題 2"/>
+          <p:cNvSpPr>
+            <a:spLocks noGrp="1"/>
+          </p:cNvSpPr>
+          <p:nvPr>
+            <p:ph type="title"/>
+          </p:nvPr>
+        </p:nvSpPr>
+        <p:spPr/>
+        <p:txBody>
+          <a:bodyPr/>
+          <a:lstStyle/>
+          <a:p>
+            <a:r>
+              <a:rPr lang="zh-TW" altLang="en-US" dirty="0"/>
+              <a:t>測試</a:t>
+            </a:r>
+            <a:r>
+              <a:rPr lang="en-US" altLang="zh-TW" dirty="0"/>
+              <a:t>(Gaussian Naïve Bayes)</a:t>
+            </a:r>
+            <a:endParaRPr lang="zh-TW" altLang="en-US" dirty="0"/>
+          </a:p>
+        </p:txBody>
+      </p:sp>
+      <p:pic>
+        <p:nvPicPr>
+          <p:cNvPr id="4" name="圖片 3" descr="一張含有 螢幕擷取畫面, 文字 的圖片&#10;&#10;自動產生的描述">
+            <a:extLst>
+              <a:ext uri="{FF2B5EF4-FFF2-40B4-BE49-F238E27FC236}">
+                <a16:creationId xmlns:a16="http://schemas.microsoft.com/office/drawing/2014/main" id="{696C11F1-032F-4E19-B732-615554E267FF}"/>
+              </a:ext>
+            </a:extLst>
+          </p:cNvPr>
+          <p:cNvPicPr>
+            <a:picLocks noChangeAspect="1"/>
+          </p:cNvPicPr>
+          <p:nvPr/>
+        </p:nvPicPr>
+        <p:blipFill>
+          <a:blip r:embed="rId2">
+            <a:extLst>
+              <a:ext uri="{28A0092B-C50C-407E-A947-70E740481C1C}">
+                <a14:useLocalDpi xmlns:a14="http://schemas.microsoft.com/office/drawing/2010/main" val="0"/>
+              </a:ext>
+            </a:extLst>
+          </a:blip>
+          <a:stretch>
+            <a:fillRect/>
+          </a:stretch>
+        </p:blipFill>
+        <p:spPr>
+          <a:xfrm>
+            <a:off x="2101723" y="2492896"/>
+            <a:ext cx="4940554" cy="2736991"/>
+          </a:xfrm>
+          <a:prstGeom prst="rect">
+            <a:avLst/>
+          </a:prstGeom>
+        </p:spPr>
+      </p:pic>
+    </p:spTree>
+    <p:extLst>
+      <p:ext uri="{BB962C8B-B14F-4D97-AF65-F5344CB8AC3E}">
+        <p14:creationId xmlns:p14="http://schemas.microsoft.com/office/powerpoint/2010/main" val="4029663984"/>
+      </p:ext>
+    </p:extLst>
+  </p:cSld>
+  <p:clrMapOvr>
+    <a:masterClrMapping/>
+  </p:clrMapOvr>
+</p:sld>
+</file>
+
+<file path=ppt/slides/slide12.xml><?xml version="1.0" encoding="utf-8"?>
+<p:sld xmlns:a="http://schemas.openxmlformats.org/drawingml/2006/main" xmlns:r="http://schemas.openxmlformats.org/officeDocument/2006/relationships" xmlns:p="http://schemas.openxmlformats.org/presentationml/2006/main">
+  <p:cSld>
+    <p:spTree>
+      <p:nvGrpSpPr>
+        <p:cNvPr id="1" name=""/>
+        <p:cNvGrpSpPr/>
+        <p:nvPr/>
+      </p:nvGrpSpPr>
+      <p:grpSpPr>
+        <a:xfrm>
+          <a:off x="0" y="0"/>
+          <a:ext cx="0" cy="0"/>
+          <a:chOff x="0" y="0"/>
+          <a:chExt cx="0" cy="0"/>
+        </a:xfrm>
+      </p:grpSpPr>
+      <p:sp>
+        <p:nvSpPr>
+          <p:cNvPr id="3" name="標題 2"/>
+          <p:cNvSpPr>
+            <a:spLocks noGrp="1"/>
+          </p:cNvSpPr>
+          <p:nvPr>
+            <p:ph type="title"/>
+          </p:nvPr>
+        </p:nvSpPr>
+        <p:spPr/>
+        <p:txBody>
+          <a:bodyPr/>
+          <a:lstStyle/>
+          <a:p>
+            <a:r>
+              <a:rPr lang="zh-TW" altLang="en-US" dirty="0"/>
+              <a:t>測試</a:t>
+            </a:r>
+            <a:r>
+              <a:rPr lang="en-US" altLang="zh-TW" dirty="0"/>
+              <a:t>(Decision Tree)</a:t>
+            </a:r>
+            <a:endParaRPr lang="zh-TW" altLang="en-US" dirty="0"/>
+          </a:p>
+        </p:txBody>
+      </p:sp>
+      <p:pic>
+        <p:nvPicPr>
+          <p:cNvPr id="5" name="圖片 4" descr="一張含有 螢幕擷取畫面, 文字 的圖片&#10;&#10;自動產生的描述">
+            <a:extLst>
+              <a:ext uri="{FF2B5EF4-FFF2-40B4-BE49-F238E27FC236}">
+                <a16:creationId xmlns:a16="http://schemas.microsoft.com/office/drawing/2014/main" id="{CE03945E-41EA-4A6F-B901-32E71E30F179}"/>
+              </a:ext>
+            </a:extLst>
+          </p:cNvPr>
+          <p:cNvPicPr>
+            <a:picLocks noChangeAspect="1"/>
+          </p:cNvPicPr>
+          <p:nvPr/>
+        </p:nvPicPr>
+        <p:blipFill>
+          <a:blip r:embed="rId2">
+            <a:extLst>
+              <a:ext uri="{28A0092B-C50C-407E-A947-70E740481C1C}">
+                <a14:useLocalDpi xmlns:a14="http://schemas.microsoft.com/office/drawing/2010/main" val="0"/>
+              </a:ext>
+            </a:extLst>
+          </a:blip>
+          <a:stretch>
+            <a:fillRect/>
+          </a:stretch>
+        </p:blipFill>
+        <p:spPr>
+          <a:xfrm>
+            <a:off x="1907704" y="2564904"/>
+            <a:ext cx="5258070" cy="2736991"/>
+          </a:xfrm>
+          <a:prstGeom prst="rect">
+            <a:avLst/>
+          </a:prstGeom>
+        </p:spPr>
+      </p:pic>
+    </p:spTree>
+    <p:extLst>
+      <p:ext uri="{BB962C8B-B14F-4D97-AF65-F5344CB8AC3E}">
+        <p14:creationId xmlns:p14="http://schemas.microsoft.com/office/powerpoint/2010/main" val="902471357"/>
+      </p:ext>
+    </p:extLst>
+  </p:cSld>
+  <p:clrMapOvr>
+    <a:masterClrMapping/>
+  </p:clrMapOvr>
+</p:sld>
+</file>
+
+<file path=ppt/slides/slide13.xml><?xml version="1.0" encoding="utf-8"?>
+<p:sld xmlns:a="http://schemas.openxmlformats.org/drawingml/2006/main" xmlns:r="http://schemas.openxmlformats.org/officeDocument/2006/relationships" xmlns:p="http://schemas.openxmlformats.org/presentationml/2006/main">
+  <p:cSld>
+    <p:spTree>
+      <p:nvGrpSpPr>
+        <p:cNvPr id="1" name=""/>
+        <p:cNvGrpSpPr/>
+        <p:nvPr/>
+      </p:nvGrpSpPr>
+      <p:grpSpPr>
+        <a:xfrm>
+          <a:off x="0" y="0"/>
+          <a:ext cx="0" cy="0"/>
+          <a:chOff x="0" y="0"/>
+          <a:chExt cx="0" cy="0"/>
+        </a:xfrm>
+      </p:grpSpPr>
+      <p:sp>
+        <p:nvSpPr>
+          <p:cNvPr id="2" name="標題 1">
+            <a:extLst>
+              <a:ext uri="{FF2B5EF4-FFF2-40B4-BE49-F238E27FC236}">
+                <a16:creationId xmlns:a16="http://schemas.microsoft.com/office/drawing/2014/main" id="{80B81A5A-D53C-4111-A4ED-FE7ECC0D4E88}"/>
+              </a:ext>
+            </a:extLst>
+          </p:cNvPr>
+          <p:cNvSpPr>
+            <a:spLocks noGrp="1"/>
+          </p:cNvSpPr>
+          <p:nvPr>
+            <p:ph type="title"/>
+          </p:nvPr>
+        </p:nvSpPr>
+        <p:spPr>
+          <a:xfrm>
+            <a:off x="1028700" y="685800"/>
+            <a:ext cx="7200900" cy="1485900"/>
+          </a:xfrm>
+        </p:spPr>
+        <p:txBody>
+          <a:bodyPr/>
+          <a:lstStyle/>
+          <a:p>
+            <a:r>
+              <a:rPr lang="zh-TW" altLang="en-US" dirty="0"/>
+              <a:t>回饋</a:t>
+            </a:r>
+          </a:p>
+        </p:txBody>
+      </p:sp>
+      <p:pic>
+        <p:nvPicPr>
+          <p:cNvPr id="14" name="圖片 13">
+            <a:extLst>
+              <a:ext uri="{FF2B5EF4-FFF2-40B4-BE49-F238E27FC236}">
+                <a16:creationId xmlns:a16="http://schemas.microsoft.com/office/drawing/2014/main" id="{5184BE36-D7A6-433A-A140-6C05743B01D4}"/>
+              </a:ext>
+            </a:extLst>
+          </p:cNvPr>
+          <p:cNvPicPr>
+            <a:picLocks noChangeAspect="1"/>
+          </p:cNvPicPr>
+          <p:nvPr/>
+        </p:nvPicPr>
+        <p:blipFill>
+          <a:blip r:embed="rId2">
+            <a:extLst>
+              <a:ext uri="{28A0092B-C50C-407E-A947-70E740481C1C}">
+                <a14:useLocalDpi xmlns:a14="http://schemas.microsoft.com/office/drawing/2010/main" val="0"/>
+              </a:ext>
+            </a:extLst>
+          </a:blip>
+          <a:stretch>
+            <a:fillRect/>
+          </a:stretch>
+        </p:blipFill>
+        <p:spPr>
+          <a:xfrm>
+            <a:off x="4165650" y="2780927"/>
+            <a:ext cx="1625397" cy="1625397"/>
+          </a:xfrm>
+          <a:prstGeom prst="rect">
+            <a:avLst/>
+          </a:prstGeom>
+        </p:spPr>
+      </p:pic>
+      <p:pic>
+        <p:nvPicPr>
+          <p:cNvPr id="18" name="圖片 17">
+            <a:extLst>
+              <a:ext uri="{FF2B5EF4-FFF2-40B4-BE49-F238E27FC236}">
+                <a16:creationId xmlns:a16="http://schemas.microsoft.com/office/drawing/2014/main" id="{4A54DC77-D134-4D64-B035-1F8FEE5FFA06}"/>
+              </a:ext>
+            </a:extLst>
+          </p:cNvPr>
+          <p:cNvPicPr>
+            <a:picLocks noChangeAspect="1"/>
+          </p:cNvPicPr>
+          <p:nvPr/>
+        </p:nvPicPr>
+        <p:blipFill>
+          <a:blip r:embed="rId3">
+            <a:extLst>
+              <a:ext uri="{28A0092B-C50C-407E-A947-70E740481C1C}">
+                <a14:useLocalDpi xmlns:a14="http://schemas.microsoft.com/office/drawing/2010/main" val="0"/>
+              </a:ext>
+            </a:extLst>
+          </a:blip>
+          <a:stretch>
+            <a:fillRect/>
+          </a:stretch>
+        </p:blipFill>
+        <p:spPr>
+          <a:xfrm>
+            <a:off x="1547664" y="2780927"/>
+            <a:ext cx="1625397" cy="1625397"/>
+          </a:xfrm>
+          <a:prstGeom prst="rect">
+            <a:avLst/>
+          </a:prstGeom>
+        </p:spPr>
+      </p:pic>
+      <p:sp>
+        <p:nvSpPr>
+          <p:cNvPr id="19" name="文字方塊 18">
+            <a:extLst>
+              <a:ext uri="{FF2B5EF4-FFF2-40B4-BE49-F238E27FC236}">
+                <a16:creationId xmlns:a16="http://schemas.microsoft.com/office/drawing/2014/main" id="{06FD8C07-F06F-4CA8-8145-F8CE3CACF546}"/>
+              </a:ext>
+            </a:extLst>
+          </p:cNvPr>
+          <p:cNvSpPr txBox="1"/>
+          <p:nvPr/>
+        </p:nvSpPr>
+        <p:spPr>
+          <a:xfrm>
+            <a:off x="1388254" y="4814225"/>
+            <a:ext cx="1944216" cy="400110"/>
+          </a:xfrm>
+          <a:prstGeom prst="rect">
+            <a:avLst/>
+          </a:prstGeom>
+          <a:noFill/>
+        </p:spPr>
+        <p:txBody>
+          <a:bodyPr wrap="square" rtlCol="0">
+            <a:spAutoFit/>
+          </a:bodyPr>
+          <a:lstStyle/>
+          <a:p>
+            <a:pPr algn="ctr"/>
+            <a:r>
+              <a:rPr lang="zh-TW" altLang="en-US" sz="2000" dirty="0"/>
+              <a:t>建立</a:t>
+            </a:r>
+            <a:r>
+              <a:rPr lang="en-US" altLang="zh-TW" sz="2000" dirty="0"/>
+              <a:t>python</a:t>
+            </a:r>
+            <a:r>
+              <a:rPr lang="zh-TW" altLang="en-US" sz="2000" dirty="0"/>
+              <a:t>基礎</a:t>
+            </a:r>
+          </a:p>
+        </p:txBody>
+      </p:sp>
+      <p:sp>
+        <p:nvSpPr>
+          <p:cNvPr id="21" name="文字方塊 20">
+            <a:extLst>
+              <a:ext uri="{FF2B5EF4-FFF2-40B4-BE49-F238E27FC236}">
+                <a16:creationId xmlns:a16="http://schemas.microsoft.com/office/drawing/2014/main" id="{E6A2D900-26E6-465A-919B-64C1289C2FEC}"/>
+              </a:ext>
+            </a:extLst>
+          </p:cNvPr>
+          <p:cNvSpPr txBox="1"/>
+          <p:nvPr/>
+        </p:nvSpPr>
+        <p:spPr>
+          <a:xfrm>
+            <a:off x="3746515" y="4814225"/>
+            <a:ext cx="2463666" cy="400110"/>
+          </a:xfrm>
+          <a:prstGeom prst="rect">
+            <a:avLst/>
+          </a:prstGeom>
+          <a:noFill/>
+        </p:spPr>
+        <p:txBody>
+          <a:bodyPr wrap="square" rtlCol="0">
+            <a:spAutoFit/>
+          </a:bodyPr>
+          <a:lstStyle/>
+          <a:p>
+            <a:pPr algn="ctr"/>
+            <a:r>
+              <a:rPr lang="zh-TW" altLang="en-US" sz="2000" dirty="0"/>
+              <a:t>了解</a:t>
+            </a:r>
+            <a:r>
+              <a:rPr lang="en-US" altLang="zh-TW" sz="2000" dirty="0"/>
+              <a:t>AI</a:t>
+            </a:r>
+            <a:r>
+              <a:rPr lang="zh-TW" altLang="en-US" sz="2000" dirty="0"/>
+              <a:t>模型如何建立</a:t>
+            </a:r>
+          </a:p>
+        </p:txBody>
+      </p:sp>
+      <p:pic>
+        <p:nvPicPr>
+          <p:cNvPr id="22" name="圖片 21">
+            <a:extLst>
+              <a:ext uri="{FF2B5EF4-FFF2-40B4-BE49-F238E27FC236}">
+                <a16:creationId xmlns:a16="http://schemas.microsoft.com/office/drawing/2014/main" id="{3C5CF960-16FC-4ED9-A69E-CE6E5335AB77}"/>
+              </a:ext>
+            </a:extLst>
+          </p:cNvPr>
+          <p:cNvPicPr>
+            <a:picLocks noChangeAspect="1"/>
+          </p:cNvPicPr>
+          <p:nvPr/>
+        </p:nvPicPr>
+        <p:blipFill>
+          <a:blip r:embed="rId4">
+            <a:extLst>
+              <a:ext uri="{28A0092B-C50C-407E-A947-70E740481C1C}">
+                <a14:useLocalDpi xmlns:a14="http://schemas.microsoft.com/office/drawing/2010/main" val="0"/>
+              </a:ext>
+            </a:extLst>
+          </a:blip>
+          <a:stretch>
+            <a:fillRect/>
+          </a:stretch>
+        </p:blipFill>
+        <p:spPr>
+          <a:xfrm>
+            <a:off x="6783636" y="2791411"/>
+            <a:ext cx="1625397" cy="1625397"/>
+          </a:xfrm>
+          <a:prstGeom prst="rect">
+            <a:avLst/>
+          </a:prstGeom>
+        </p:spPr>
+      </p:pic>
+      <p:sp>
+        <p:nvSpPr>
+          <p:cNvPr id="23" name="文字方塊 22">
+            <a:extLst>
+              <a:ext uri="{FF2B5EF4-FFF2-40B4-BE49-F238E27FC236}">
+                <a16:creationId xmlns:a16="http://schemas.microsoft.com/office/drawing/2014/main" id="{E252D79A-2D11-4464-9C4D-0278FB0BB7F1}"/>
+              </a:ext>
+            </a:extLst>
+          </p:cNvPr>
+          <p:cNvSpPr txBox="1"/>
+          <p:nvPr/>
+        </p:nvSpPr>
+        <p:spPr>
+          <a:xfrm>
+            <a:off x="6408202" y="4814225"/>
+            <a:ext cx="2376264" cy="400110"/>
+          </a:xfrm>
+          <a:prstGeom prst="rect">
+            <a:avLst/>
+          </a:prstGeom>
+          <a:noFill/>
+        </p:spPr>
+        <p:txBody>
+          <a:bodyPr wrap="square" rtlCol="0">
+            <a:spAutoFit/>
+          </a:bodyPr>
+          <a:lstStyle/>
+          <a:p>
+            <a:pPr algn="ctr"/>
+            <a:r>
+              <a:rPr lang="zh-TW" altLang="en-US" sz="2000" dirty="0"/>
+              <a:t>增加實作時間</a:t>
+            </a:r>
+          </a:p>
+        </p:txBody>
+      </p:sp>
+    </p:spTree>
+    <p:extLst>
+      <p:ext uri="{BB962C8B-B14F-4D97-AF65-F5344CB8AC3E}">
+        <p14:creationId xmlns:p14="http://schemas.microsoft.com/office/powerpoint/2010/main" val="2066809209"/>
+      </p:ext>
+    </p:extLst>
+  </p:cSld>
+  <p:clrMapOvr>
+    <a:masterClrMapping/>
+  </p:clrMapOvr>
+</p:sld>
+</file>
+
+<file path=ppt/slides/slide2.xml><?xml version="1.0" encoding="utf-8"?>
+<p:sld xmlns:a="http://schemas.openxmlformats.org/drawingml/2006/main" xmlns:r="http://schemas.openxmlformats.org/officeDocument/2006/relationships" xmlns:p="http://schemas.openxmlformats.org/presentationml/2006/main">
+  <p:cSld>
+    <p:bg>
+      <p:bgPr>
+        <a:solidFill>
+          <a:schemeClr val="bg2"/>
+        </a:solidFill>
+        <a:effectLst/>
+      </p:bgPr>
+    </p:bg>
+    <p:spTree>
+      <p:nvGrpSpPr>
+        <p:cNvPr id="1" name=""/>
+        <p:cNvGrpSpPr/>
+        <p:nvPr/>
+      </p:nvGrpSpPr>
+      <p:grpSpPr>
+        <a:xfrm>
+          <a:off x="0" y="0"/>
+          <a:ext cx="0" cy="0"/>
+          <a:chOff x="0" y="0"/>
+          <a:chExt cx="0" cy="0"/>
+        </a:xfrm>
+      </p:grpSpPr>
+      <p:sp>
+        <p:nvSpPr>
+          <p:cNvPr id="3" name="標題 2"/>
+          <p:cNvSpPr>
+            <a:spLocks noGrp="1"/>
+          </p:cNvSpPr>
+          <p:nvPr>
+            <p:ph type="title"/>
+          </p:nvPr>
+        </p:nvSpPr>
+        <p:spPr>
+          <a:xfrm>
+            <a:off x="1028700" y="685800"/>
+            <a:ext cx="7200900" cy="1485900"/>
+          </a:xfrm>
+        </p:spPr>
+        <p:txBody>
+          <a:bodyPr>
+            <a:normAutofit/>
+          </a:bodyPr>
+          <a:lstStyle/>
+          <a:p>
+            <a:r>
+              <a:rPr lang="zh-TW" altLang="en-US"/>
               <a:t>實作流程</a:t>
             </a:r>
+            <a:endParaRPr lang="zh-TW" altLang="en-US" dirty="0"/>
           </a:p>
         </p:txBody>
       </p:sp>
@@ -7088,14 +7912,14 @@
           <p:nvPr>
             <p:extLst>
               <p:ext uri="{D42A27DB-BD31-4B8C-83A1-F6EECF244321}">
-                <p14:modId xmlns:p14="http://schemas.microsoft.com/office/powerpoint/2010/main" val="1179709500"/>
+                <p14:modId xmlns:p14="http://schemas.microsoft.com/office/powerpoint/2010/main" val="437163027"/>
               </p:ext>
             </p:extLst>
           </p:nvPr>
         </p:nvGraphicFramePr>
         <p:xfrm>
-          <a:off x="914400" y="1412776"/>
-          <a:ext cx="7905043" cy="4392488"/>
+          <a:off x="1028700" y="2286000"/>
+          <a:ext cx="7200900" cy="3581400"/>
         </p:xfrm>
         <a:graphic>
           <a:graphicData uri="http://schemas.openxmlformats.org/drawingml/2006/diagram">
@@ -7487,7 +8311,7 @@
         </p:blipFill>
         <p:spPr bwMode="auto">
           <a:xfrm>
-            <a:off x="755576" y="1795698"/>
+            <a:off x="1012973" y="1795697"/>
             <a:ext cx="4053022" cy="2808312"/>
           </a:xfrm>
           <a:prstGeom prst="rect">
@@ -7757,7 +8581,7 @@
                   <a:schemeClr val="tx1"/>
                 </a:solidFill>
               </a:rPr>
-              <a:t>票價如同等於艙等等級，票價越高者，住的艙等越好，能早點接收緊急的消息，也享有較優先逃生的權利，所以生還者較多。</a:t>
+              <a:t>票價如同等於艙等等級，票價越高者，住的艙等越好，能早點接收緊急的消息，也享有較好的逃生設備及優先逃生的權利，所以生還者較多。</a:t>
             </a:r>
             <a:endParaRPr lang="en-US" altLang="zh-TW" dirty="0">
               <a:solidFill>
@@ -8432,13 +9256,7 @@
       </p:grpSpPr>
       <p:sp>
         <p:nvSpPr>
-          <p:cNvPr id="2" name="標題 1">
-            <a:extLst>
-              <a:ext uri="{FF2B5EF4-FFF2-40B4-BE49-F238E27FC236}">
-                <a16:creationId xmlns:a16="http://schemas.microsoft.com/office/drawing/2014/main" id="{80B81A5A-D53C-4111-A4ED-FE7ECC0D4E88}"/>
-              </a:ext>
-            </a:extLst>
-          </p:cNvPr>
+          <p:cNvPr id="3" name="標題 2"/>
           <p:cNvSpPr>
             <a:spLocks noGrp="1"/>
           </p:cNvSpPr>
@@ -8446,29 +9264,29 @@
             <p:ph type="title"/>
           </p:nvPr>
         </p:nvSpPr>
-        <p:spPr>
-          <a:xfrm>
-            <a:off x="1028700" y="685800"/>
-            <a:ext cx="7200900" cy="1485900"/>
-          </a:xfrm>
-        </p:spPr>
+        <p:spPr/>
         <p:txBody>
           <a:bodyPr/>
           <a:lstStyle/>
           <a:p>
             <a:r>
               <a:rPr lang="zh-TW" altLang="en-US" dirty="0"/>
-              <a:t>回饋</a:t>
-            </a:r>
+              <a:t>測試</a:t>
+            </a:r>
+            <a:r>
+              <a:rPr lang="en-US" altLang="zh-TW" dirty="0"/>
+              <a:t>(Logistic regression)</a:t>
+            </a:r>
+            <a:endParaRPr lang="zh-TW" altLang="en-US" dirty="0"/>
           </a:p>
         </p:txBody>
       </p:sp>
       <p:pic>
         <p:nvPicPr>
-          <p:cNvPr id="14" name="圖片 13">
+          <p:cNvPr id="10" name="圖片 9" descr="一張含有 螢幕擷取畫面, 文字 的圖片&#10;&#10;自動產生的描述">
             <a:extLst>
               <a:ext uri="{FF2B5EF4-FFF2-40B4-BE49-F238E27FC236}">
-                <a16:creationId xmlns:a16="http://schemas.microsoft.com/office/drawing/2014/main" id="{5184BE36-D7A6-433A-A140-6C05743B01D4}"/>
+                <a16:creationId xmlns:a16="http://schemas.microsoft.com/office/drawing/2014/main" id="{FFF7BAC1-256C-4ED8-85C8-4DE19E65A209}"/>
               </a:ext>
             </a:extLst>
           </p:cNvPr>
@@ -8491,20 +9309,117 @@
         </p:blipFill>
         <p:spPr>
           <a:xfrm>
-            <a:off x="4165650" y="2780927"/>
-            <a:ext cx="1625397" cy="1625397"/>
+            <a:off x="2028694" y="2564904"/>
+            <a:ext cx="5086611" cy="2736991"/>
           </a:xfrm>
           <a:prstGeom prst="rect">
             <a:avLst/>
           </a:prstGeom>
         </p:spPr>
       </p:pic>
+      <p:sp>
+        <p:nvSpPr>
+          <p:cNvPr id="11" name="文字方塊 10">
+            <a:extLst>
+              <a:ext uri="{FF2B5EF4-FFF2-40B4-BE49-F238E27FC236}">
+                <a16:creationId xmlns:a16="http://schemas.microsoft.com/office/drawing/2014/main" id="{10627431-12E3-4A44-B3A2-2A8CB76A9ECB}"/>
+              </a:ext>
+            </a:extLst>
+          </p:cNvPr>
+          <p:cNvSpPr txBox="1"/>
+          <p:nvPr/>
+        </p:nvSpPr>
+        <p:spPr>
+          <a:xfrm flipH="1">
+            <a:off x="1028835" y="1987034"/>
+            <a:ext cx="1034401" cy="369332"/>
+          </a:xfrm>
+          <a:prstGeom prst="rect">
+            <a:avLst/>
+          </a:prstGeom>
+          <a:noFill/>
+        </p:spPr>
+        <p:txBody>
+          <a:bodyPr wrap="square" rtlCol="0">
+            <a:spAutoFit/>
+          </a:bodyPr>
+          <a:lstStyle/>
+          <a:p>
+            <a:r>
+              <a:rPr lang="zh-TW" altLang="en-US" dirty="0"/>
+              <a:t>改變</a:t>
+            </a:r>
+            <a:r>
+              <a:rPr lang="en-US" altLang="zh-TW" dirty="0"/>
+              <a:t>C</a:t>
+            </a:r>
+            <a:endParaRPr lang="zh-TW" altLang="en-US" dirty="0"/>
+          </a:p>
+        </p:txBody>
+      </p:sp>
+    </p:spTree>
+    <p:extLst>
+      <p:ext uri="{BB962C8B-B14F-4D97-AF65-F5344CB8AC3E}">
+        <p14:creationId xmlns:p14="http://schemas.microsoft.com/office/powerpoint/2010/main" val="807909386"/>
+      </p:ext>
+    </p:extLst>
+  </p:cSld>
+  <p:clrMapOvr>
+    <a:masterClrMapping/>
+  </p:clrMapOvr>
+</p:sld>
+</file>
+
+<file path=ppt/slides/slide9.xml><?xml version="1.0" encoding="utf-8"?>
+<p:sld xmlns:a="http://schemas.openxmlformats.org/drawingml/2006/main" xmlns:r="http://schemas.openxmlformats.org/officeDocument/2006/relationships" xmlns:p="http://schemas.openxmlformats.org/presentationml/2006/main">
+  <p:cSld>
+    <p:spTree>
+      <p:nvGrpSpPr>
+        <p:cNvPr id="1" name=""/>
+        <p:cNvGrpSpPr/>
+        <p:nvPr/>
+      </p:nvGrpSpPr>
+      <p:grpSpPr>
+        <a:xfrm>
+          <a:off x="0" y="0"/>
+          <a:ext cx="0" cy="0"/>
+          <a:chOff x="0" y="0"/>
+          <a:chExt cx="0" cy="0"/>
+        </a:xfrm>
+      </p:grpSpPr>
+      <p:sp>
+        <p:nvSpPr>
+          <p:cNvPr id="3" name="標題 2"/>
+          <p:cNvSpPr>
+            <a:spLocks noGrp="1"/>
+          </p:cNvSpPr>
+          <p:nvPr>
+            <p:ph type="title"/>
+          </p:nvPr>
+        </p:nvSpPr>
+        <p:spPr/>
+        <p:txBody>
+          <a:bodyPr/>
+          <a:lstStyle/>
+          <a:p>
+            <a:r>
+              <a:rPr lang="zh-TW" altLang="en-US" dirty="0"/>
+              <a:t>測試</a:t>
+            </a:r>
+            <a:r>
+              <a:rPr lang="en-US" altLang="zh-TW" dirty="0"/>
+              <a:t>(SVM)</a:t>
+            </a:r>
+            <a:endParaRPr lang="zh-TW" altLang="en-US" dirty="0"/>
+          </a:p>
+        </p:txBody>
+      </p:sp>
       <p:pic>
         <p:nvPicPr>
-          <p:cNvPr id="18" name="圖片 17">
+          <p:cNvPr id="4" name="圖片 3" descr="一張含有 螢幕擷取畫面, 文字 的圖片&#10;&#10;自動產生的描述">
             <a:extLst>
               <a:ext uri="{FF2B5EF4-FFF2-40B4-BE49-F238E27FC236}">
-                <a16:creationId xmlns:a16="http://schemas.microsoft.com/office/drawing/2014/main" id="{4A54DC77-D134-4D64-B035-1F8FEE5FFA06}"/>
+                <a16:creationId xmlns:a16="http://schemas.microsoft.com/office/drawing/2014/main" id="{CBDCD679-39D1-45A1-8EED-B5ADFD84AAE0}"/>
               </a:ext>
             </a:extLst>
           </p:cNvPr>
@@ -8514,7 +9429,7 @@
           <p:nvPr/>
         </p:nvPicPr>
         <p:blipFill>
-          <a:blip r:embed="rId3">
+          <a:blip r:embed="rId2">
             <a:extLst>
               <a:ext uri="{28A0092B-C50C-407E-A947-70E740481C1C}">
                 <a14:useLocalDpi xmlns:a14="http://schemas.microsoft.com/office/drawing/2010/main" val="0"/>
@@ -8527,8 +9442,8 @@
         </p:blipFill>
         <p:spPr>
           <a:xfrm>
-            <a:off x="1547664" y="2780927"/>
-            <a:ext cx="1625397" cy="1625397"/>
+            <a:off x="2308108" y="2564904"/>
+            <a:ext cx="4527783" cy="2711589"/>
           </a:xfrm>
           <a:prstGeom prst="rect">
             <a:avLst/>
@@ -8537,10 +9452,10 @@
       </p:pic>
       <p:sp>
         <p:nvSpPr>
-          <p:cNvPr id="19" name="文字方塊 18">
+          <p:cNvPr id="6" name="文字方塊 5">
             <a:extLst>
               <a:ext uri="{FF2B5EF4-FFF2-40B4-BE49-F238E27FC236}">
-                <a16:creationId xmlns:a16="http://schemas.microsoft.com/office/drawing/2014/main" id="{06FD8C07-F06F-4CA8-8145-F8CE3CACF546}"/>
+                <a16:creationId xmlns:a16="http://schemas.microsoft.com/office/drawing/2014/main" id="{4E3C67BC-067F-4221-A6EC-36F1ED4A94AD}"/>
               </a:ext>
             </a:extLst>
           </p:cNvPr>
@@ -8548,9 +9463,9 @@
           <p:nvPr/>
         </p:nvSpPr>
         <p:spPr>
-          <a:xfrm>
-            <a:off x="1388254" y="4814225"/>
-            <a:ext cx="1944216" cy="400110"/>
+          <a:xfrm flipH="1">
+            <a:off x="1028699" y="1987034"/>
+            <a:ext cx="1815108" cy="369332"/>
           </a:xfrm>
           <a:prstGeom prst="rect">
             <a:avLst/>
@@ -8563,142 +9478,30 @@
           </a:bodyPr>
           <a:lstStyle/>
           <a:p>
-            <a:pPr algn="ctr"/>
-            <a:r>
-              <a:rPr lang="zh-TW" altLang="en-US" sz="2000" dirty="0"/>
-              <a:t>建立</a:t>
-            </a:r>
-            <a:r>
-              <a:rPr lang="en-US" altLang="zh-TW" sz="2000" dirty="0"/>
-              <a:t>python</a:t>
-            </a:r>
-            <a:r>
-              <a:rPr lang="zh-TW" altLang="en-US" sz="2000" dirty="0"/>
-              <a:t>基礎</a:t>
-            </a:r>
-          </a:p>
-        </p:txBody>
-      </p:sp>
-      <p:sp>
-        <p:nvSpPr>
-          <p:cNvPr id="21" name="文字方塊 20">
-            <a:extLst>
-              <a:ext uri="{FF2B5EF4-FFF2-40B4-BE49-F238E27FC236}">
-                <a16:creationId xmlns:a16="http://schemas.microsoft.com/office/drawing/2014/main" id="{E6A2D900-26E6-465A-919B-64C1289C2FEC}"/>
-              </a:ext>
-            </a:extLst>
-          </p:cNvPr>
-          <p:cNvSpPr txBox="1"/>
-          <p:nvPr/>
-        </p:nvSpPr>
-        <p:spPr>
-          <a:xfrm>
-            <a:off x="3746515" y="4814225"/>
-            <a:ext cx="2463666" cy="400110"/>
-          </a:xfrm>
-          <a:prstGeom prst="rect">
-            <a:avLst/>
-          </a:prstGeom>
-          <a:noFill/>
-        </p:spPr>
-        <p:txBody>
-          <a:bodyPr wrap="square" rtlCol="0">
-            <a:spAutoFit/>
-          </a:bodyPr>
-          <a:lstStyle/>
-          <a:p>
-            <a:pPr algn="ctr"/>
-            <a:r>
-              <a:rPr lang="zh-TW" altLang="en-US" sz="2000" dirty="0"/>
-              <a:t>了解</a:t>
-            </a:r>
-            <a:r>
-              <a:rPr lang="en-US" altLang="zh-TW" sz="2000" dirty="0"/>
-              <a:t>AI</a:t>
-            </a:r>
-            <a:r>
-              <a:rPr lang="zh-TW" altLang="en-US" sz="2000" dirty="0"/>
-              <a:t>模型如何建立</a:t>
-            </a:r>
-          </a:p>
-        </p:txBody>
-      </p:sp>
-      <p:pic>
-        <p:nvPicPr>
-          <p:cNvPr id="22" name="圖片 21">
-            <a:extLst>
-              <a:ext uri="{FF2B5EF4-FFF2-40B4-BE49-F238E27FC236}">
-                <a16:creationId xmlns:a16="http://schemas.microsoft.com/office/drawing/2014/main" id="{3C5CF960-16FC-4ED9-A69E-CE6E5335AB77}"/>
-              </a:ext>
-            </a:extLst>
-          </p:cNvPr>
-          <p:cNvPicPr>
-            <a:picLocks noChangeAspect="1"/>
-          </p:cNvPicPr>
-          <p:nvPr/>
-        </p:nvPicPr>
-        <p:blipFill>
-          <a:blip r:embed="rId4">
-            <a:extLst>
-              <a:ext uri="{28A0092B-C50C-407E-A947-70E740481C1C}">
-                <a14:useLocalDpi xmlns:a14="http://schemas.microsoft.com/office/drawing/2010/main" val="0"/>
-              </a:ext>
-            </a:extLst>
-          </a:blip>
-          <a:stretch>
-            <a:fillRect/>
-          </a:stretch>
-        </p:blipFill>
-        <p:spPr>
-          <a:xfrm>
-            <a:off x="6783636" y="2791411"/>
-            <a:ext cx="1625397" cy="1625397"/>
-          </a:xfrm>
-          <a:prstGeom prst="rect">
-            <a:avLst/>
-          </a:prstGeom>
-        </p:spPr>
-      </p:pic>
-      <p:sp>
-        <p:nvSpPr>
-          <p:cNvPr id="23" name="文字方塊 22">
-            <a:extLst>
-              <a:ext uri="{FF2B5EF4-FFF2-40B4-BE49-F238E27FC236}">
-                <a16:creationId xmlns:a16="http://schemas.microsoft.com/office/drawing/2014/main" id="{E252D79A-2D11-4464-9C4D-0278FB0BB7F1}"/>
-              </a:ext>
-            </a:extLst>
-          </p:cNvPr>
-          <p:cNvSpPr txBox="1"/>
-          <p:nvPr/>
-        </p:nvSpPr>
-        <p:spPr>
-          <a:xfrm>
-            <a:off x="6408202" y="4814225"/>
-            <a:ext cx="2376264" cy="400110"/>
-          </a:xfrm>
-          <a:prstGeom prst="rect">
-            <a:avLst/>
-          </a:prstGeom>
-          <a:noFill/>
-        </p:spPr>
-        <p:txBody>
-          <a:bodyPr wrap="square" rtlCol="0">
-            <a:spAutoFit/>
-          </a:bodyPr>
-          <a:lstStyle/>
-          <a:p>
-            <a:pPr algn="ctr"/>
-            <a:r>
-              <a:rPr lang="zh-TW" altLang="en-US" sz="2000" dirty="0"/>
-              <a:t>增加實作時間</a:t>
-            </a:r>
+            <a:r>
+              <a:rPr lang="zh-TW" altLang="en-US" dirty="0"/>
+              <a:t>改變</a:t>
+            </a:r>
+            <a:r>
+              <a:rPr lang="en-US" altLang="zh-TW" dirty="0"/>
+              <a:t>C</a:t>
+            </a:r>
+            <a:r>
+              <a:rPr lang="zh-TW" altLang="en-US" dirty="0"/>
+              <a:t>、</a:t>
+            </a:r>
+            <a:r>
+              <a:rPr lang="en-US" altLang="zh-TW" dirty="0"/>
+              <a:t>gamma</a:t>
+            </a:r>
+            <a:endParaRPr lang="zh-TW" altLang="en-US" dirty="0"/>
           </a:p>
         </p:txBody>
       </p:sp>
     </p:spTree>
     <p:extLst>
       <p:ext uri="{BB962C8B-B14F-4D97-AF65-F5344CB8AC3E}">
-        <p14:creationId xmlns:p14="http://schemas.microsoft.com/office/powerpoint/2010/main" val="2066809209"/>
+        <p14:creationId xmlns:p14="http://schemas.microsoft.com/office/powerpoint/2010/main" val="2635172991"/>
       </p:ext>
     </p:extLst>
   </p:cSld>
